--- a/segregated dom v2.pptx
+++ b/segregated dom v2.pptx
@@ -2617,7 +2617,7 @@
       </p:grpSpPr>
       <p:sp>
         <p:nvSpPr>
-          <p:cNvPr id="90" name="Shape 90"/>
+          <p:cNvPr id="91" name="Shape 91"/>
           <p:cNvSpPr/>
           <p:nvPr>
             <p:ph type="title"/>
@@ -2660,7 +2660,7 @@
       </p:sp>
       <p:pic>
         <p:nvPicPr>
-          <p:cNvPr id="91" name="pasted-image.png"/>
+          <p:cNvPr id="92" name="pasted-image.png"/>
           <p:cNvPicPr/>
           <p:nvPr/>
         </p:nvPicPr>
@@ -2685,6 +2685,65 @@
           </a:ln>
         </p:spPr>
       </p:pic>
+      <p:sp>
+        <p:nvSpPr>
+          <p:cNvPr id="93" name="Shape 93"/>
+          <p:cNvSpPr/>
+          <p:nvPr/>
+        </p:nvSpPr>
+        <p:spPr>
+          <a:xfrm>
+            <a:off x="7135750" y="8007387"/>
+            <a:ext cx="4778500" cy="673026"/>
+          </a:xfrm>
+          <a:prstGeom prst="rect">
+            <a:avLst/>
+          </a:prstGeom>
+          <a:ln w="12700">
+            <a:miter lim="400000"/>
+          </a:ln>
+          <a:extLst>
+            <a:ext uri="{C572A759-6A51-4108-AA02-DFA0A04FC94B}">
+              <ma14:wrappingTextBoxFlag xmlns:ma14="http://schemas.microsoft.com/office/mac/drawingml/2011/main" val="1"/>
+            </a:ext>
+          </a:extLst>
+        </p:spPr>
+        <p:txBody>
+          <a:bodyPr wrap="none" lIns="50800" tIns="50800" rIns="50800" bIns="50800" anchor="ctr">
+            <a:spAutoFit/>
+          </a:bodyPr>
+          <a:lstStyle>
+            <a:lvl1pPr>
+              <a:defRPr>
+                <a:solidFill>
+                  <a:srgbClr val="E8A433"/>
+                </a:solidFill>
+                <a:latin typeface="Monaco"/>
+                <a:ea typeface="Monaco"/>
+                <a:cs typeface="Monaco"/>
+                <a:sym typeface="Monaco"/>
+              </a:defRPr>
+            </a:lvl1pPr>
+          </a:lstStyle>
+          <a:p>
+            <a:pPr lvl="0">
+              <a:defRPr sz="1800">
+                <a:solidFill>
+                  <a:srgbClr val="000000"/>
+                </a:solidFill>
+              </a:defRPr>
+            </a:pPr>
+            <a:r>
+              <a:rPr sz="3600">
+                <a:solidFill>
+                  <a:srgbClr val="E8A433"/>
+                </a:solidFill>
+              </a:rPr>
+              <a:t>form.prezLayer.js</a:t>
+            </a:r>
+          </a:p>
+        </p:txBody>
+      </p:sp>
     </p:spTree>
   </p:cSld>
   <p:clrMapOvr>
@@ -2720,7 +2779,7 @@
       </p:grpSpPr>
       <p:sp>
         <p:nvSpPr>
-          <p:cNvPr id="93" name="Shape 93"/>
+          <p:cNvPr id="95" name="Shape 95"/>
           <p:cNvSpPr/>
           <p:nvPr>
             <p:ph type="title"/>
@@ -2763,7 +2822,7 @@
       </p:sp>
       <p:pic>
         <p:nvPicPr>
-          <p:cNvPr id="94" name="pasted-image.png"/>
+          <p:cNvPr id="96" name="pasted-image.png"/>
           <p:cNvPicPr/>
           <p:nvPr/>
         </p:nvPicPr>
@@ -2788,6 +2847,65 @@
           </a:ln>
         </p:spPr>
       </p:pic>
+      <p:sp>
+        <p:nvSpPr>
+          <p:cNvPr id="97" name="Shape 97"/>
+          <p:cNvSpPr/>
+          <p:nvPr/>
+        </p:nvSpPr>
+        <p:spPr>
+          <a:xfrm>
+            <a:off x="6538738" y="7219987"/>
+            <a:ext cx="6150324" cy="673026"/>
+          </a:xfrm>
+          <a:prstGeom prst="rect">
+            <a:avLst/>
+          </a:prstGeom>
+          <a:ln w="12700">
+            <a:miter lim="400000"/>
+          </a:ln>
+          <a:extLst>
+            <a:ext uri="{C572A759-6A51-4108-AA02-DFA0A04FC94B}">
+              <ma14:wrappingTextBoxFlag xmlns:ma14="http://schemas.microsoft.com/office/mac/drawingml/2011/main" val="1"/>
+            </a:ext>
+          </a:extLst>
+        </p:spPr>
+        <p:txBody>
+          <a:bodyPr wrap="none" lIns="50800" tIns="50800" rIns="50800" bIns="50800" anchor="ctr">
+            <a:spAutoFit/>
+          </a:bodyPr>
+          <a:lstStyle>
+            <a:lvl1pPr>
+              <a:defRPr>
+                <a:solidFill>
+                  <a:srgbClr val="E8A433"/>
+                </a:solidFill>
+                <a:latin typeface="Monaco"/>
+                <a:ea typeface="Monaco"/>
+                <a:cs typeface="Monaco"/>
+                <a:sym typeface="Monaco"/>
+              </a:defRPr>
+            </a:lvl1pPr>
+          </a:lstStyle>
+          <a:p>
+            <a:pPr lvl="0">
+              <a:defRPr sz="1800">
+                <a:solidFill>
+                  <a:srgbClr val="000000"/>
+                </a:solidFill>
+              </a:defRPr>
+            </a:pPr>
+            <a:r>
+              <a:rPr sz="3600">
+                <a:solidFill>
+                  <a:srgbClr val="E8A433"/>
+                </a:solidFill>
+              </a:rPr>
+              <a:t>form.prezLayer.test.js</a:t>
+            </a:r>
+          </a:p>
+        </p:txBody>
+      </p:sp>
     </p:spTree>
   </p:cSld>
   <p:clrMapOvr>
@@ -2821,52 +2939,9 @@
           <a:chExt cx="0" cy="0"/>
         </a:xfrm>
       </p:grpSpPr>
-      <p:sp>
-        <p:nvSpPr>
-          <p:cNvPr id="96" name="Shape 96"/>
-          <p:cNvSpPr/>
-          <p:nvPr>
-            <p:ph type="title"/>
-          </p:nvPr>
-        </p:nvSpPr>
-        <p:spPr>
-          <a:xfrm>
-            <a:off x="952500" y="552598"/>
-            <a:ext cx="11099800" cy="1561804"/>
-          </a:xfrm>
-          <a:prstGeom prst="rect">
-            <a:avLst/>
-          </a:prstGeom>
-        </p:spPr>
-        <p:txBody>
-          <a:bodyPr/>
-          <a:lstStyle>
-            <a:lvl1pPr>
-              <a:defRPr sz="3800">
-                <a:solidFill>
-                  <a:srgbClr val="000000"/>
-                </a:solidFill>
-                <a:latin typeface="Monaco"/>
-                <a:ea typeface="Monaco"/>
-                <a:cs typeface="Monaco"/>
-                <a:sym typeface="Monaco"/>
-              </a:defRPr>
-            </a:lvl1pPr>
-          </a:lstStyle>
-          <a:p>
-            <a:pPr lvl="0">
-              <a:defRPr sz="1800"/>
-            </a:pPr>
-            <a:r>
-              <a:rPr sz="3800"/>
-              <a:t>além de isolarmos nossa lógica dos seletores diretos…</a:t>
-            </a:r>
-          </a:p>
-        </p:txBody>
-      </p:sp>
       <p:pic>
         <p:nvPicPr>
-          <p:cNvPr id="97" name="pasted-image.png"/>
+          <p:cNvPr id="99" name="pasted-image.png"/>
           <p:cNvPicPr/>
           <p:nvPr/>
         </p:nvPicPr>
@@ -2880,8 +2955,8 @@
         </p:blipFill>
         <p:spPr>
           <a:xfrm>
-            <a:off x="617783" y="2264760"/>
-            <a:ext cx="11769234" cy="6951280"/>
+            <a:off x="711200" y="2216094"/>
+            <a:ext cx="11592346" cy="7048612"/>
           </a:xfrm>
           <a:prstGeom prst="rect">
             <a:avLst/>
@@ -2891,6 +2966,108 @@
           </a:ln>
         </p:spPr>
       </p:pic>
+      <p:sp>
+        <p:nvSpPr>
+          <p:cNvPr id="100" name="Shape 100"/>
+          <p:cNvSpPr/>
+          <p:nvPr>
+            <p:ph type="title"/>
+          </p:nvPr>
+        </p:nvSpPr>
+        <p:spPr>
+          <a:xfrm>
+            <a:off x="952500" y="552598"/>
+            <a:ext cx="11099800" cy="1561804"/>
+          </a:xfrm>
+          <a:prstGeom prst="rect">
+            <a:avLst/>
+          </a:prstGeom>
+        </p:spPr>
+        <p:txBody>
+          <a:bodyPr/>
+          <a:lstStyle>
+            <a:lvl1pPr>
+              <a:defRPr sz="3800">
+                <a:solidFill>
+                  <a:srgbClr val="000000"/>
+                </a:solidFill>
+                <a:latin typeface="Monaco"/>
+                <a:ea typeface="Monaco"/>
+                <a:cs typeface="Monaco"/>
+                <a:sym typeface="Monaco"/>
+              </a:defRPr>
+            </a:lvl1pPr>
+          </a:lstStyle>
+          <a:p>
+            <a:pPr lvl="0">
+              <a:defRPr sz="1800"/>
+            </a:pPr>
+            <a:r>
+              <a:rPr sz="3800"/>
+              <a:t>além de isolarmos nossa lógica dos seletores diretos…</a:t>
+            </a:r>
+          </a:p>
+        </p:txBody>
+      </p:sp>
+      <p:sp>
+        <p:nvSpPr>
+          <p:cNvPr id="101" name="Shape 101"/>
+          <p:cNvSpPr/>
+          <p:nvPr/>
+        </p:nvSpPr>
+        <p:spPr>
+          <a:xfrm>
+            <a:off x="10209373" y="8578887"/>
+            <a:ext cx="2034854" cy="673026"/>
+          </a:xfrm>
+          <a:prstGeom prst="rect">
+            <a:avLst/>
+          </a:prstGeom>
+          <a:ln w="12700">
+            <a:miter lim="400000"/>
+          </a:ln>
+          <a:extLst>
+            <a:ext uri="{C572A759-6A51-4108-AA02-DFA0A04FC94B}">
+              <ma14:wrappingTextBoxFlag xmlns:ma14="http://schemas.microsoft.com/office/mac/drawingml/2011/main" val="1"/>
+            </a:ext>
+          </a:extLst>
+        </p:spPr>
+        <p:txBody>
+          <a:bodyPr wrap="none" lIns="50800" tIns="50800" rIns="50800" bIns="50800" anchor="ctr">
+            <a:spAutoFit/>
+          </a:bodyPr>
+          <a:lstStyle>
+            <a:lvl1pPr>
+              <a:defRPr>
+                <a:solidFill>
+                  <a:srgbClr val="E8A433"/>
+                </a:solidFill>
+                <a:latin typeface="Monaco"/>
+                <a:ea typeface="Monaco"/>
+                <a:cs typeface="Monaco"/>
+                <a:sym typeface="Monaco"/>
+              </a:defRPr>
+            </a:lvl1pPr>
+          </a:lstStyle>
+          <a:p>
+            <a:pPr lvl="0">
+              <a:defRPr sz="1800">
+                <a:solidFill>
+                  <a:srgbClr val="000000"/>
+                </a:solidFill>
+              </a:defRPr>
+            </a:pPr>
+            <a:r>
+              <a:rPr sz="3600">
+                <a:solidFill>
+                  <a:srgbClr val="E8A433"/>
+                </a:solidFill>
+              </a:rPr>
+              <a:t>form.js</a:t>
+            </a:r>
+          </a:p>
+        </p:txBody>
+      </p:sp>
     </p:spTree>
   </p:cSld>
   <p:clrMapOvr>
@@ -2926,7 +3103,7 @@
       </p:grpSpPr>
       <p:sp>
         <p:nvSpPr>
-          <p:cNvPr id="99" name="Shape 99"/>
+          <p:cNvPr id="103" name="Shape 103"/>
           <p:cNvSpPr/>
           <p:nvPr>
             <p:ph type="title"/>
@@ -2934,7 +3111,7 @@
         </p:nvSpPr>
         <p:spPr>
           <a:xfrm>
-            <a:off x="733214" y="1556720"/>
+            <a:off x="727788" y="1556720"/>
             <a:ext cx="11354644" cy="1561803"/>
           </a:xfrm>
           <a:prstGeom prst="rect">
@@ -2969,7 +3146,7 @@
       </p:sp>
       <p:pic>
         <p:nvPicPr>
-          <p:cNvPr id="100" name="pasted-image.png"/>
+          <p:cNvPr id="104" name="pasted-image.png"/>
           <p:cNvPicPr/>
           <p:nvPr/>
         </p:nvPicPr>
@@ -2983,7 +3160,7 @@
         </p:blipFill>
         <p:spPr>
           <a:xfrm>
-            <a:off x="804329" y="3821429"/>
+            <a:off x="798903" y="3821429"/>
             <a:ext cx="11467257" cy="4375451"/>
           </a:xfrm>
           <a:prstGeom prst="rect">
@@ -2994,6 +3171,65 @@
           </a:ln>
         </p:spPr>
       </p:pic>
+      <p:sp>
+        <p:nvSpPr>
+          <p:cNvPr id="105" name="Shape 105"/>
+          <p:cNvSpPr/>
+          <p:nvPr/>
+        </p:nvSpPr>
+        <p:spPr>
+          <a:xfrm>
+            <a:off x="8870336" y="7512087"/>
+            <a:ext cx="3406676" cy="673026"/>
+          </a:xfrm>
+          <a:prstGeom prst="rect">
+            <a:avLst/>
+          </a:prstGeom>
+          <a:ln w="12700">
+            <a:miter lim="400000"/>
+          </a:ln>
+          <a:extLst>
+            <a:ext uri="{C572A759-6A51-4108-AA02-DFA0A04FC94B}">
+              <ma14:wrappingTextBoxFlag xmlns:ma14="http://schemas.microsoft.com/office/mac/drawingml/2011/main" val="1"/>
+            </a:ext>
+          </a:extLst>
+        </p:spPr>
+        <p:txBody>
+          <a:bodyPr wrap="none" lIns="50800" tIns="50800" rIns="50800" bIns="50800" anchor="ctr">
+            <a:spAutoFit/>
+          </a:bodyPr>
+          <a:lstStyle>
+            <a:lvl1pPr>
+              <a:defRPr>
+                <a:solidFill>
+                  <a:srgbClr val="E8A433"/>
+                </a:solidFill>
+                <a:latin typeface="Monaco"/>
+                <a:ea typeface="Monaco"/>
+                <a:cs typeface="Monaco"/>
+                <a:sym typeface="Monaco"/>
+              </a:defRPr>
+            </a:lvl1pPr>
+          </a:lstStyle>
+          <a:p>
+            <a:pPr lvl="0">
+              <a:defRPr sz="1800">
+                <a:solidFill>
+                  <a:srgbClr val="000000"/>
+                </a:solidFill>
+              </a:defRPr>
+            </a:pPr>
+            <a:r>
+              <a:rPr sz="3600">
+                <a:solidFill>
+                  <a:srgbClr val="E8A433"/>
+                </a:solidFill>
+              </a:rPr>
+              <a:t>form.test.js</a:t>
+            </a:r>
+          </a:p>
+        </p:txBody>
+      </p:sp>
     </p:spTree>
   </p:cSld>
   <p:clrMapOvr>
@@ -3029,7 +3265,7 @@
       </p:grpSpPr>
       <p:sp>
         <p:nvSpPr>
-          <p:cNvPr id="102" name="Shape 102"/>
+          <p:cNvPr id="107" name="Shape 107"/>
           <p:cNvSpPr/>
           <p:nvPr>
             <p:ph type="title"/>
@@ -3072,7 +3308,7 @@
       </p:sp>
       <p:sp>
         <p:nvSpPr>
-          <p:cNvPr id="103" name="Shape 103"/>
+          <p:cNvPr id="108" name="Shape 108"/>
           <p:cNvSpPr/>
           <p:nvPr/>
         </p:nvSpPr>
@@ -3103,7 +3339,7 @@
       </p:sp>
       <p:sp>
         <p:nvSpPr>
-          <p:cNvPr id="104" name="Shape 104"/>
+          <p:cNvPr id="109" name="Shape 109"/>
           <p:cNvSpPr/>
           <p:nvPr/>
         </p:nvSpPr>
@@ -3159,7 +3395,7 @@
       </p:sp>
       <p:sp>
         <p:nvSpPr>
-          <p:cNvPr id="105" name="Shape 105"/>
+          <p:cNvPr id="110" name="Shape 110"/>
           <p:cNvSpPr/>
           <p:nvPr/>
         </p:nvSpPr>
@@ -3190,14 +3426,14 @@
       </p:sp>
       <p:sp>
         <p:nvSpPr>
-          <p:cNvPr id="106" name="Shape 106"/>
+          <p:cNvPr id="111" name="Shape 111"/>
           <p:cNvSpPr/>
           <p:nvPr/>
         </p:nvSpPr>
         <p:spPr>
           <a:xfrm>
             <a:off x="5073426" y="3863834"/>
-            <a:ext cx="2857948" cy="673027"/>
+            <a:ext cx="2857948" cy="673026"/>
           </a:xfrm>
           <a:prstGeom prst="rect">
             <a:avLst/>
@@ -3246,14 +3482,14 @@
       </p:sp>
       <p:sp>
         <p:nvSpPr>
-          <p:cNvPr id="107" name="Shape 107"/>
+          <p:cNvPr id="112" name="Shape 112"/>
           <p:cNvSpPr/>
           <p:nvPr/>
         </p:nvSpPr>
         <p:spPr>
           <a:xfrm>
-            <a:off x="3678634" y="4975196"/>
-            <a:ext cx="5647532" cy="1046687"/>
+            <a:off x="3678634" y="4975195"/>
+            <a:ext cx="5647532" cy="1046688"/>
           </a:xfrm>
           <a:prstGeom prst="rect">
             <a:avLst/>
@@ -3277,7 +3513,7 @@
       </p:sp>
       <p:sp>
         <p:nvSpPr>
-          <p:cNvPr id="108" name="Shape 108"/>
+          <p:cNvPr id="113" name="Shape 113"/>
           <p:cNvSpPr/>
           <p:nvPr/>
         </p:nvSpPr>
@@ -3333,7 +3569,7 @@
       </p:sp>
       <p:sp>
         <p:nvSpPr>
-          <p:cNvPr id="109" name="Shape 109"/>
+          <p:cNvPr id="114" name="Shape 114"/>
           <p:cNvSpPr/>
           <p:nvPr/>
         </p:nvSpPr>
@@ -3364,7 +3600,7 @@
       </p:sp>
       <p:sp>
         <p:nvSpPr>
-          <p:cNvPr id="110" name="Shape 110"/>
+          <p:cNvPr id="115" name="Shape 115"/>
           <p:cNvSpPr/>
           <p:nvPr/>
         </p:nvSpPr>
@@ -3453,7 +3689,7 @@
       </p:grpSpPr>
       <p:sp>
         <p:nvSpPr>
-          <p:cNvPr id="112" name="Shape 112"/>
+          <p:cNvPr id="117" name="Shape 117"/>
           <p:cNvSpPr/>
           <p:nvPr>
             <p:ph type="title"/>
@@ -3496,7 +3732,7 @@
       </p:sp>
       <p:sp>
         <p:nvSpPr>
-          <p:cNvPr id="113" name="Shape 113"/>
+          <p:cNvPr id="118" name="Shape 118"/>
           <p:cNvSpPr/>
           <p:nvPr/>
         </p:nvSpPr>
@@ -3580,7 +3816,7 @@
       </p:grpSpPr>
       <p:sp>
         <p:nvSpPr>
-          <p:cNvPr id="115" name="Shape 115"/>
+          <p:cNvPr id="120" name="Shape 120"/>
           <p:cNvSpPr/>
           <p:nvPr>
             <p:ph type="title"/>
@@ -3623,7 +3859,7 @@
       </p:sp>
       <p:sp>
         <p:nvSpPr>
-          <p:cNvPr id="116" name="Shape 116"/>
+          <p:cNvPr id="121" name="Shape 121"/>
           <p:cNvSpPr/>
           <p:nvPr/>
         </p:nvSpPr>
@@ -3674,7 +3910,7 @@
       </p:sp>
       <p:sp>
         <p:nvSpPr>
-          <p:cNvPr id="117" name="Shape 117"/>
+          <p:cNvPr id="122" name="Shape 122"/>
           <p:cNvSpPr/>
           <p:nvPr/>
         </p:nvSpPr>
@@ -3728,7 +3964,7 @@
       </p:sp>
       <p:pic>
         <p:nvPicPr>
-          <p:cNvPr id="118" name="pasted-image.png"/>
+          <p:cNvPr id="123" name="pasted-image.png"/>
           <p:cNvPicPr/>
           <p:nvPr/>
         </p:nvPicPr>
@@ -3755,7 +3991,7 @@
       </p:pic>
       <p:sp>
         <p:nvSpPr>
-          <p:cNvPr id="119" name="Shape 119"/>
+          <p:cNvPr id="124" name="Shape 124"/>
           <p:cNvSpPr/>
           <p:nvPr/>
         </p:nvSpPr>
@@ -3806,7 +4042,7 @@
       </p:sp>
       <p:sp>
         <p:nvSpPr>
-          <p:cNvPr id="120" name="Shape 120"/>
+          <p:cNvPr id="125" name="Shape 125"/>
           <p:cNvSpPr/>
           <p:nvPr/>
         </p:nvSpPr>
@@ -5792,7 +6028,7 @@
                   <a:srgbClr val="FFFFFF"/>
                 </a:solidFill>
               </a:rPr>
-              <a:t>$(‘#id_name, #id_message')</a:t>
+              <a:t>$('#id_name, #id_message')</a:t>
             </a:r>
           </a:p>
         </p:txBody>
@@ -6201,6 +6437,65 @@
           </a:ln>
         </p:spPr>
       </p:pic>
+      <p:sp>
+        <p:nvSpPr>
+          <p:cNvPr id="89" name="Shape 89"/>
+          <p:cNvSpPr/>
+          <p:nvPr/>
+        </p:nvSpPr>
+        <p:spPr>
+          <a:xfrm>
+            <a:off x="8736062" y="2000287"/>
+            <a:ext cx="3406676" cy="673026"/>
+          </a:xfrm>
+          <a:prstGeom prst="rect">
+            <a:avLst/>
+          </a:prstGeom>
+          <a:ln w="12700">
+            <a:miter lim="400000"/>
+          </a:ln>
+          <a:extLst>
+            <a:ext uri="{C572A759-6A51-4108-AA02-DFA0A04FC94B}">
+              <ma14:wrappingTextBoxFlag xmlns:ma14="http://schemas.microsoft.com/office/mac/drawingml/2011/main" val="1"/>
+            </a:ext>
+          </a:extLst>
+        </p:spPr>
+        <p:txBody>
+          <a:bodyPr wrap="none" lIns="50800" tIns="50800" rIns="50800" bIns="50800" anchor="ctr">
+            <a:spAutoFit/>
+          </a:bodyPr>
+          <a:lstStyle>
+            <a:lvl1pPr>
+              <a:defRPr>
+                <a:solidFill>
+                  <a:srgbClr val="E8A433"/>
+                </a:solidFill>
+                <a:latin typeface="Monaco"/>
+                <a:ea typeface="Monaco"/>
+                <a:cs typeface="Monaco"/>
+                <a:sym typeface="Monaco"/>
+              </a:defRPr>
+            </a:lvl1pPr>
+          </a:lstStyle>
+          <a:p>
+            <a:pPr lvl="0">
+              <a:defRPr sz="1800">
+                <a:solidFill>
+                  <a:srgbClr val="000000"/>
+                </a:solidFill>
+              </a:defRPr>
+            </a:pPr>
+            <a:r>
+              <a:rPr sz="3600">
+                <a:solidFill>
+                  <a:srgbClr val="E8A433"/>
+                </a:solidFill>
+              </a:rPr>
+              <a:t>example.html</a:t>
+            </a:r>
+          </a:p>
+        </p:txBody>
+      </p:sp>
     </p:spTree>
   </p:cSld>
   <p:clrMapOvr>

--- a/segregated dom v2.pptx
+++ b/segregated dom v2.pptx
@@ -3957,7 +3957,7 @@
               <a:rPr sz="4200" u="sng">
                 <a:hlinkClick r:id="rId2" invalidUrl="" action="" tgtFrame="" tooltip="" history="1" highlightClick="0" endSnd="0"/>
               </a:rPr>
-              <a:t>luciano.ratamero@elogroup.com.br</a:t>
+              <a:t>luciano@ratamero.com</a:t>
             </a:r>
           </a:p>
         </p:txBody>

--- a/segregated dom v2.pptx
+++ b/segregated dom v2.pptx
@@ -2617,7 +2617,7 @@
       </p:grpSpPr>
       <p:sp>
         <p:nvSpPr>
-          <p:cNvPr id="91" name="Shape 91"/>
+          <p:cNvPr id="93" name="Shape 93"/>
           <p:cNvSpPr/>
           <p:nvPr>
             <p:ph type="title"/>
@@ -2625,7 +2625,7 @@
         </p:nvSpPr>
         <p:spPr>
           <a:xfrm>
-            <a:off x="952500" y="985515"/>
+            <a:off x="952500" y="1842916"/>
             <a:ext cx="11099800" cy="1561803"/>
           </a:xfrm>
           <a:prstGeom prst="rect">
@@ -2653,14 +2653,14 @@
             </a:pPr>
             <a:r>
               <a:rPr sz="3800"/>
-              <a:t>para validar, precisamos dos campos obrigatórios:</a:t>
+              <a:t>e podemos testar esse código lindamente</a:t>
             </a:r>
           </a:p>
         </p:txBody>
       </p:sp>
       <p:pic>
         <p:nvPicPr>
-          <p:cNvPr id="92" name="pasted-image.png"/>
+          <p:cNvPr id="94" name="pasted-image.png"/>
           <p:cNvPicPr/>
           <p:nvPr/>
         </p:nvPicPr>
@@ -2674,8 +2674,8 @@
         </p:blipFill>
         <p:spPr>
           <a:xfrm>
-            <a:off x="985093" y="3202801"/>
-            <a:ext cx="11034614" cy="5565284"/>
+            <a:off x="286500" y="4091661"/>
+            <a:ext cx="12431800" cy="3819023"/>
           </a:xfrm>
           <a:prstGeom prst="rect">
             <a:avLst/>
@@ -2687,14 +2687,14 @@
       </p:pic>
       <p:sp>
         <p:nvSpPr>
-          <p:cNvPr id="93" name="Shape 93"/>
+          <p:cNvPr id="95" name="Shape 95"/>
           <p:cNvSpPr/>
           <p:nvPr/>
         </p:nvSpPr>
         <p:spPr>
           <a:xfrm>
-            <a:off x="7135750" y="8007387"/>
-            <a:ext cx="4778500" cy="673026"/>
+            <a:off x="6538738" y="7219987"/>
+            <a:ext cx="6150324" cy="673026"/>
           </a:xfrm>
           <a:prstGeom prst="rect">
             <a:avLst/>
@@ -2739,7 +2739,7 @@
                   <a:srgbClr val="E8A433"/>
                 </a:solidFill>
               </a:rPr>
-              <a:t>form.prezLayer.js</a:t>
+              <a:t>form.prezLayer.test.js</a:t>
             </a:r>
           </a:p>
         </p:txBody>
@@ -2777,52 +2777,9 @@
           <a:chExt cx="0" cy="0"/>
         </a:xfrm>
       </p:grpSpPr>
-      <p:sp>
-        <p:nvSpPr>
-          <p:cNvPr id="95" name="Shape 95"/>
-          <p:cNvSpPr/>
-          <p:nvPr>
-            <p:ph type="title"/>
-          </p:nvPr>
-        </p:nvSpPr>
-        <p:spPr>
-          <a:xfrm>
-            <a:off x="952500" y="1842916"/>
-            <a:ext cx="11099800" cy="1561803"/>
-          </a:xfrm>
-          <a:prstGeom prst="rect">
-            <a:avLst/>
-          </a:prstGeom>
-        </p:spPr>
-        <p:txBody>
-          <a:bodyPr/>
-          <a:lstStyle>
-            <a:lvl1pPr>
-              <a:defRPr sz="3800">
-                <a:solidFill>
-                  <a:srgbClr val="000000"/>
-                </a:solidFill>
-                <a:latin typeface="Monaco"/>
-                <a:ea typeface="Monaco"/>
-                <a:cs typeface="Monaco"/>
-                <a:sym typeface="Monaco"/>
-              </a:defRPr>
-            </a:lvl1pPr>
-          </a:lstStyle>
-          <a:p>
-            <a:pPr lvl="0">
-              <a:defRPr sz="1800"/>
-            </a:pPr>
-            <a:r>
-              <a:rPr sz="3800"/>
-              <a:t>e podemos testar esse código lindamente</a:t>
-            </a:r>
-          </a:p>
-        </p:txBody>
-      </p:sp>
       <p:pic>
         <p:nvPicPr>
-          <p:cNvPr id="96" name="pasted-image.png"/>
+          <p:cNvPr id="97" name="pasted-image.png"/>
           <p:cNvPicPr/>
           <p:nvPr/>
         </p:nvPicPr>
@@ -2836,8 +2793,8 @@
         </p:blipFill>
         <p:spPr>
           <a:xfrm>
-            <a:off x="286500" y="4091661"/>
-            <a:ext cx="12431800" cy="3819023"/>
+            <a:off x="711200" y="2216094"/>
+            <a:ext cx="11592346" cy="7048612"/>
           </a:xfrm>
           <a:prstGeom prst="rect">
             <a:avLst/>
@@ -2849,14 +2806,57 @@
       </p:pic>
       <p:sp>
         <p:nvSpPr>
-          <p:cNvPr id="97" name="Shape 97"/>
+          <p:cNvPr id="98" name="Shape 98"/>
+          <p:cNvSpPr/>
+          <p:nvPr>
+            <p:ph type="title"/>
+          </p:nvPr>
+        </p:nvSpPr>
+        <p:spPr>
+          <a:xfrm>
+            <a:off x="952500" y="552598"/>
+            <a:ext cx="11099800" cy="1561804"/>
+          </a:xfrm>
+          <a:prstGeom prst="rect">
+            <a:avLst/>
+          </a:prstGeom>
+        </p:spPr>
+        <p:txBody>
+          <a:bodyPr/>
+          <a:lstStyle>
+            <a:lvl1pPr>
+              <a:defRPr sz="3800">
+                <a:solidFill>
+                  <a:srgbClr val="000000"/>
+                </a:solidFill>
+                <a:latin typeface="Monaco"/>
+                <a:ea typeface="Monaco"/>
+                <a:cs typeface="Monaco"/>
+                <a:sym typeface="Monaco"/>
+              </a:defRPr>
+            </a:lvl1pPr>
+          </a:lstStyle>
+          <a:p>
+            <a:pPr lvl="0">
+              <a:defRPr sz="1800"/>
+            </a:pPr>
+            <a:r>
+              <a:rPr sz="3800"/>
+              <a:t>além de isolarmos nossa lógica dos seletores diretos…</a:t>
+            </a:r>
+          </a:p>
+        </p:txBody>
+      </p:sp>
+      <p:sp>
+        <p:nvSpPr>
+          <p:cNvPr id="99" name="Shape 99"/>
           <p:cNvSpPr/>
           <p:nvPr/>
         </p:nvSpPr>
         <p:spPr>
           <a:xfrm>
-            <a:off x="6538738" y="7219987"/>
-            <a:ext cx="6150324" cy="673026"/>
+            <a:off x="10209373" y="8578887"/>
+            <a:ext cx="2034854" cy="673026"/>
           </a:xfrm>
           <a:prstGeom prst="rect">
             <a:avLst/>
@@ -2901,7 +2901,7 @@
                   <a:srgbClr val="E8A433"/>
                 </a:solidFill>
               </a:rPr>
-              <a:t>form.prezLayer.test.js</a:t>
+              <a:t>form.js</a:t>
             </a:r>
           </a:p>
         </p:txBody>
@@ -2939,9 +2939,52 @@
           <a:chExt cx="0" cy="0"/>
         </a:xfrm>
       </p:grpSpPr>
+      <p:sp>
+        <p:nvSpPr>
+          <p:cNvPr id="101" name="Shape 101"/>
+          <p:cNvSpPr/>
+          <p:nvPr>
+            <p:ph type="title"/>
+          </p:nvPr>
+        </p:nvSpPr>
+        <p:spPr>
+          <a:xfrm>
+            <a:off x="727788" y="1556720"/>
+            <a:ext cx="11354644" cy="1561803"/>
+          </a:xfrm>
+          <a:prstGeom prst="rect">
+            <a:avLst/>
+          </a:prstGeom>
+        </p:spPr>
+        <p:txBody>
+          <a:bodyPr/>
+          <a:lstStyle>
+            <a:lvl1pPr defTabSz="537463">
+              <a:defRPr sz="4416">
+                <a:solidFill>
+                  <a:srgbClr val="000000"/>
+                </a:solidFill>
+                <a:latin typeface="Monaco"/>
+                <a:ea typeface="Monaco"/>
+                <a:cs typeface="Monaco"/>
+                <a:sym typeface="Monaco"/>
+              </a:defRPr>
+            </a:lvl1pPr>
+          </a:lstStyle>
+          <a:p>
+            <a:pPr lvl="0">
+              <a:defRPr sz="1800"/>
+            </a:pPr>
+            <a:r>
+              <a:rPr sz="4416"/>
+              <a:t>e podermos testar nossa lógica também!</a:t>
+            </a:r>
+          </a:p>
+        </p:txBody>
+      </p:sp>
       <p:pic>
         <p:nvPicPr>
-          <p:cNvPr id="99" name="pasted-image.png"/>
+          <p:cNvPr id="102" name="pasted-image.png"/>
           <p:cNvPicPr/>
           <p:nvPr/>
         </p:nvPicPr>
@@ -2955,8 +2998,8 @@
         </p:blipFill>
         <p:spPr>
           <a:xfrm>
-            <a:off x="711200" y="2216094"/>
-            <a:ext cx="11592346" cy="7048612"/>
+            <a:off x="798903" y="3821429"/>
+            <a:ext cx="11467257" cy="4375451"/>
           </a:xfrm>
           <a:prstGeom prst="rect">
             <a:avLst/>
@@ -2968,57 +3011,14 @@
       </p:pic>
       <p:sp>
         <p:nvSpPr>
-          <p:cNvPr id="100" name="Shape 100"/>
-          <p:cNvSpPr/>
-          <p:nvPr>
-            <p:ph type="title"/>
-          </p:nvPr>
-        </p:nvSpPr>
-        <p:spPr>
-          <a:xfrm>
-            <a:off x="952500" y="552598"/>
-            <a:ext cx="11099800" cy="1561804"/>
-          </a:xfrm>
-          <a:prstGeom prst="rect">
-            <a:avLst/>
-          </a:prstGeom>
-        </p:spPr>
-        <p:txBody>
-          <a:bodyPr/>
-          <a:lstStyle>
-            <a:lvl1pPr>
-              <a:defRPr sz="3800">
-                <a:solidFill>
-                  <a:srgbClr val="000000"/>
-                </a:solidFill>
-                <a:latin typeface="Monaco"/>
-                <a:ea typeface="Monaco"/>
-                <a:cs typeface="Monaco"/>
-                <a:sym typeface="Monaco"/>
-              </a:defRPr>
-            </a:lvl1pPr>
-          </a:lstStyle>
-          <a:p>
-            <a:pPr lvl="0">
-              <a:defRPr sz="1800"/>
-            </a:pPr>
-            <a:r>
-              <a:rPr sz="3800"/>
-              <a:t>além de isolarmos nossa lógica dos seletores diretos…</a:t>
-            </a:r>
-          </a:p>
-        </p:txBody>
-      </p:sp>
-      <p:sp>
-        <p:nvSpPr>
-          <p:cNvPr id="101" name="Shape 101"/>
+          <p:cNvPr id="103" name="Shape 103"/>
           <p:cNvSpPr/>
           <p:nvPr/>
         </p:nvSpPr>
         <p:spPr>
           <a:xfrm>
-            <a:off x="10209373" y="8578887"/>
-            <a:ext cx="2034854" cy="673026"/>
+            <a:off x="8870336" y="7512087"/>
+            <a:ext cx="3406676" cy="673026"/>
           </a:xfrm>
           <a:prstGeom prst="rect">
             <a:avLst/>
@@ -3063,7 +3063,7 @@
                   <a:srgbClr val="E8A433"/>
                 </a:solidFill>
               </a:rPr>
-              <a:t>form.js</a:t>
+              <a:t>form.test.js</a:t>
             </a:r>
           </a:p>
         </p:txBody>
@@ -3103,7 +3103,7 @@
       </p:grpSpPr>
       <p:sp>
         <p:nvSpPr>
-          <p:cNvPr id="103" name="Shape 103"/>
+          <p:cNvPr id="105" name="Shape 105"/>
           <p:cNvSpPr/>
           <p:nvPr>
             <p:ph type="title"/>
@@ -3111,8 +3111,8 @@
         </p:nvSpPr>
         <p:spPr>
           <a:xfrm>
-            <a:off x="727788" y="1556720"/>
-            <a:ext cx="11354644" cy="1561803"/>
+            <a:off x="825078" y="1033219"/>
+            <a:ext cx="11354644" cy="907258"/>
           </a:xfrm>
           <a:prstGeom prst="rect">
             <a:avLst/>
@@ -3121,8 +3121,8 @@
         <p:txBody>
           <a:bodyPr/>
           <a:lstStyle>
-            <a:lvl1pPr defTabSz="537463">
-              <a:defRPr sz="4416">
+            <a:lvl1pPr>
+              <a:defRPr sz="4800">
                 <a:solidFill>
                   <a:srgbClr val="000000"/>
                 </a:solidFill>
@@ -3138,49 +3138,53 @@
               <a:defRPr sz="1800"/>
             </a:pPr>
             <a:r>
-              <a:rPr sz="4416"/>
-              <a:t>e podermos testar nossa lógica também!</a:t>
-            </a:r>
-          </a:p>
-        </p:txBody>
-      </p:sp>
-      <p:pic>
-        <p:nvPicPr>
-          <p:cNvPr id="104" name="pasted-image.png"/>
-          <p:cNvPicPr/>
+              <a:rPr sz="4800"/>
+              <a:t>recapitulando:</a:t>
+            </a:r>
+          </a:p>
+        </p:txBody>
+      </p:sp>
+      <p:sp>
+        <p:nvSpPr>
+          <p:cNvPr id="106" name="Shape 106"/>
+          <p:cNvSpPr/>
           <p:nvPr/>
-        </p:nvPicPr>
-        <p:blipFill>
-          <a:blip r:embed="rId2">
-            <a:extLst/>
-          </a:blip>
-          <a:stretch>
-            <a:fillRect/>
-          </a:stretch>
-        </p:blipFill>
-        <p:spPr>
-          <a:xfrm>
-            <a:off x="798903" y="3821429"/>
-            <a:ext cx="11467257" cy="4375451"/>
-          </a:xfrm>
-          <a:prstGeom prst="rect">
-            <a:avLst/>
-          </a:prstGeom>
+        </p:nvSpPr>
+        <p:spPr>
+          <a:xfrm>
+            <a:off x="3678634" y="2378812"/>
+            <a:ext cx="5647532" cy="1046687"/>
+          </a:xfrm>
+          <a:prstGeom prst="rect">
+            <a:avLst/>
+          </a:prstGeom>
+          <a:blipFill>
+            <a:blip r:embed="rId2"/>
+          </a:blipFill>
           <a:ln w="12700">
             <a:miter lim="400000"/>
           </a:ln>
         </p:spPr>
-      </p:pic>
-      <p:sp>
-        <p:nvSpPr>
-          <p:cNvPr id="105" name="Shape 105"/>
+        <p:txBody>
+          <a:bodyPr lIns="50800" tIns="50800" rIns="50800" bIns="50800" anchor="ctr"/>
+          <a:lstStyle/>
+          <a:p>
+            <a:pPr lvl="0">
+              <a:defRPr sz="2600"/>
+            </a:pPr>
+          </a:p>
+        </p:txBody>
+      </p:sp>
+      <p:sp>
+        <p:nvSpPr>
+          <p:cNvPr id="107" name="Shape 107"/>
           <p:cNvSpPr/>
           <p:nvPr/>
         </p:nvSpPr>
         <p:spPr>
           <a:xfrm>
-            <a:off x="8870336" y="7512087"/>
-            <a:ext cx="3406676" cy="673026"/>
+            <a:off x="4936244" y="2565642"/>
+            <a:ext cx="3132312" cy="673027"/>
           </a:xfrm>
           <a:prstGeom prst="rect">
             <a:avLst/>
@@ -3201,9 +3205,6 @@
           <a:lstStyle>
             <a:lvl1pPr>
               <a:defRPr>
-                <a:solidFill>
-                  <a:srgbClr val="E8A433"/>
-                </a:solidFill>
                 <a:latin typeface="Monaco"/>
                 <a:ea typeface="Monaco"/>
                 <a:cs typeface="Monaco"/>
@@ -3222,10 +3223,271 @@
             <a:r>
               <a:rPr sz="3600">
                 <a:solidFill>
-                  <a:srgbClr val="E8A433"/>
+                  <a:srgbClr val="FFFFFF"/>
                 </a:solidFill>
               </a:rPr>
-              <a:t>form.test.js</a:t>
+              <a:t>organização</a:t>
+            </a:r>
+          </a:p>
+        </p:txBody>
+      </p:sp>
+      <p:sp>
+        <p:nvSpPr>
+          <p:cNvPr id="108" name="Shape 108"/>
+          <p:cNvSpPr/>
+          <p:nvPr/>
+        </p:nvSpPr>
+        <p:spPr>
+          <a:xfrm>
+            <a:off x="3678634" y="3677004"/>
+            <a:ext cx="5647532" cy="1046687"/>
+          </a:xfrm>
+          <a:prstGeom prst="rect">
+            <a:avLst/>
+          </a:prstGeom>
+          <a:blipFill>
+            <a:blip r:embed="rId2"/>
+          </a:blipFill>
+          <a:ln w="12700">
+            <a:miter lim="400000"/>
+          </a:ln>
+        </p:spPr>
+        <p:txBody>
+          <a:bodyPr lIns="50800" tIns="50800" rIns="50800" bIns="50800" anchor="ctr"/>
+          <a:lstStyle/>
+          <a:p>
+            <a:pPr lvl="0">
+              <a:defRPr sz="2600"/>
+            </a:pPr>
+          </a:p>
+        </p:txBody>
+      </p:sp>
+      <p:sp>
+        <p:nvSpPr>
+          <p:cNvPr id="109" name="Shape 109"/>
+          <p:cNvSpPr/>
+          <p:nvPr/>
+        </p:nvSpPr>
+        <p:spPr>
+          <a:xfrm>
+            <a:off x="5073426" y="3863834"/>
+            <a:ext cx="2857948" cy="673026"/>
+          </a:xfrm>
+          <a:prstGeom prst="rect">
+            <a:avLst/>
+          </a:prstGeom>
+          <a:ln w="12700">
+            <a:miter lim="400000"/>
+          </a:ln>
+          <a:extLst>
+            <a:ext uri="{C572A759-6A51-4108-AA02-DFA0A04FC94B}">
+              <ma14:wrappingTextBoxFlag xmlns:ma14="http://schemas.microsoft.com/office/mac/drawingml/2011/main" val="1"/>
+            </a:ext>
+          </a:extLst>
+        </p:spPr>
+        <p:txBody>
+          <a:bodyPr wrap="none" lIns="50800" tIns="50800" rIns="50800" bIns="50800" anchor="ctr">
+            <a:spAutoFit/>
+          </a:bodyPr>
+          <a:lstStyle>
+            <a:lvl1pPr>
+              <a:defRPr>
+                <a:latin typeface="Monaco"/>
+                <a:ea typeface="Monaco"/>
+                <a:cs typeface="Monaco"/>
+                <a:sym typeface="Monaco"/>
+              </a:defRPr>
+            </a:lvl1pPr>
+          </a:lstStyle>
+          <a:p>
+            <a:pPr lvl="0">
+              <a:defRPr sz="1800">
+                <a:solidFill>
+                  <a:srgbClr val="000000"/>
+                </a:solidFill>
+              </a:defRPr>
+            </a:pPr>
+            <a:r>
+              <a:rPr sz="3600">
+                <a:solidFill>
+                  <a:srgbClr val="FFFFFF"/>
+                </a:solidFill>
+              </a:rPr>
+              <a:t>manutenção</a:t>
+            </a:r>
+          </a:p>
+        </p:txBody>
+      </p:sp>
+      <p:sp>
+        <p:nvSpPr>
+          <p:cNvPr id="110" name="Shape 110"/>
+          <p:cNvSpPr/>
+          <p:nvPr/>
+        </p:nvSpPr>
+        <p:spPr>
+          <a:xfrm>
+            <a:off x="3678634" y="4975195"/>
+            <a:ext cx="5647532" cy="1046688"/>
+          </a:xfrm>
+          <a:prstGeom prst="rect">
+            <a:avLst/>
+          </a:prstGeom>
+          <a:blipFill>
+            <a:blip r:embed="rId2"/>
+          </a:blipFill>
+          <a:ln w="12700">
+            <a:miter lim="400000"/>
+          </a:ln>
+        </p:spPr>
+        <p:txBody>
+          <a:bodyPr lIns="50800" tIns="50800" rIns="50800" bIns="50800" anchor="ctr"/>
+          <a:lstStyle/>
+          <a:p>
+            <a:pPr lvl="0">
+              <a:defRPr sz="2600"/>
+            </a:pPr>
+          </a:p>
+        </p:txBody>
+      </p:sp>
+      <p:sp>
+        <p:nvSpPr>
+          <p:cNvPr id="111" name="Shape 111"/>
+          <p:cNvSpPr/>
+          <p:nvPr/>
+        </p:nvSpPr>
+        <p:spPr>
+          <a:xfrm>
+            <a:off x="4524697" y="5165555"/>
+            <a:ext cx="3955406" cy="673027"/>
+          </a:xfrm>
+          <a:prstGeom prst="rect">
+            <a:avLst/>
+          </a:prstGeom>
+          <a:ln w="12700">
+            <a:miter lim="400000"/>
+          </a:ln>
+          <a:extLst>
+            <a:ext uri="{C572A759-6A51-4108-AA02-DFA0A04FC94B}">
+              <ma14:wrappingTextBoxFlag xmlns:ma14="http://schemas.microsoft.com/office/mac/drawingml/2011/main" val="1"/>
+            </a:ext>
+          </a:extLst>
+        </p:spPr>
+        <p:txBody>
+          <a:bodyPr wrap="none" lIns="50800" tIns="50800" rIns="50800" bIns="50800" anchor="ctr">
+            <a:spAutoFit/>
+          </a:bodyPr>
+          <a:lstStyle>
+            <a:lvl1pPr>
+              <a:defRPr>
+                <a:latin typeface="Monaco"/>
+                <a:ea typeface="Monaco"/>
+                <a:cs typeface="Monaco"/>
+                <a:sym typeface="Monaco"/>
+              </a:defRPr>
+            </a:lvl1pPr>
+          </a:lstStyle>
+          <a:p>
+            <a:pPr lvl="0">
+              <a:defRPr sz="1800">
+                <a:solidFill>
+                  <a:srgbClr val="000000"/>
+                </a:solidFill>
+              </a:defRPr>
+            </a:pPr>
+            <a:r>
+              <a:rPr sz="3600">
+                <a:solidFill>
+                  <a:srgbClr val="FFFFFF"/>
+                </a:solidFill>
+              </a:rPr>
+              <a:t>desacoplamento</a:t>
+            </a:r>
+          </a:p>
+        </p:txBody>
+      </p:sp>
+      <p:sp>
+        <p:nvSpPr>
+          <p:cNvPr id="112" name="Shape 112"/>
+          <p:cNvSpPr/>
+          <p:nvPr/>
+        </p:nvSpPr>
+        <p:spPr>
+          <a:xfrm>
+            <a:off x="2002680" y="6463747"/>
+            <a:ext cx="8999440" cy="2069803"/>
+          </a:xfrm>
+          <a:prstGeom prst="rect">
+            <a:avLst/>
+          </a:prstGeom>
+          <a:blipFill>
+            <a:blip r:embed="rId2"/>
+          </a:blipFill>
+          <a:ln w="12700">
+            <a:miter lim="400000"/>
+          </a:ln>
+        </p:spPr>
+        <p:txBody>
+          <a:bodyPr lIns="50800" tIns="50800" rIns="50800" bIns="50800" anchor="ctr"/>
+          <a:lstStyle/>
+          <a:p>
+            <a:pPr lvl="0">
+              <a:defRPr sz="2600"/>
+            </a:pPr>
+          </a:p>
+        </p:txBody>
+      </p:sp>
+      <p:sp>
+        <p:nvSpPr>
+          <p:cNvPr id="113" name="Shape 113"/>
+          <p:cNvSpPr/>
+          <p:nvPr/>
+        </p:nvSpPr>
+        <p:spPr>
+          <a:xfrm>
+            <a:off x="4890516" y="6906052"/>
+            <a:ext cx="3223767" cy="1185193"/>
+          </a:xfrm>
+          <a:prstGeom prst="rect">
+            <a:avLst/>
+          </a:prstGeom>
+          <a:ln w="12700">
+            <a:miter lim="400000"/>
+          </a:ln>
+          <a:extLst>
+            <a:ext uri="{C572A759-6A51-4108-AA02-DFA0A04FC94B}">
+              <ma14:wrappingTextBoxFlag xmlns:ma14="http://schemas.microsoft.com/office/mac/drawingml/2011/main" val="1"/>
+            </a:ext>
+          </a:extLst>
+        </p:spPr>
+        <p:txBody>
+          <a:bodyPr wrap="none" lIns="50800" tIns="50800" rIns="50800" bIns="50800" anchor="ctr">
+            <a:spAutoFit/>
+          </a:bodyPr>
+          <a:lstStyle>
+            <a:lvl1pPr>
+              <a:defRPr sz="6800">
+                <a:latin typeface="Monaco"/>
+                <a:ea typeface="Monaco"/>
+                <a:cs typeface="Monaco"/>
+                <a:sym typeface="Monaco"/>
+              </a:defRPr>
+            </a:lvl1pPr>
+          </a:lstStyle>
+          <a:p>
+            <a:pPr lvl="0">
+              <a:defRPr sz="1800">
+                <a:solidFill>
+                  <a:srgbClr val="000000"/>
+                </a:solidFill>
+              </a:defRPr>
+            </a:pPr>
+            <a:r>
+              <a:rPr sz="6800">
+                <a:solidFill>
+                  <a:srgbClr val="FFFFFF"/>
+                </a:solidFill>
+              </a:rPr>
+              <a:t>testes</a:t>
             </a:r>
           </a:p>
         </p:txBody>
@@ -3265,7 +3527,7 @@
       </p:grpSpPr>
       <p:sp>
         <p:nvSpPr>
-          <p:cNvPr id="107" name="Shape 107"/>
+          <p:cNvPr id="115" name="Shape 115"/>
           <p:cNvSpPr/>
           <p:nvPr>
             <p:ph type="title"/>
@@ -3273,8 +3535,8 @@
         </p:nvSpPr>
         <p:spPr>
           <a:xfrm>
-            <a:off x="825078" y="1033219"/>
-            <a:ext cx="11354644" cy="907258"/>
+            <a:off x="671463" y="4919372"/>
+            <a:ext cx="11661875" cy="2159001"/>
           </a:xfrm>
           <a:prstGeom prst="rect">
             <a:avLst/>
@@ -3283,8 +3545,8 @@
         <p:txBody>
           <a:bodyPr/>
           <a:lstStyle>
-            <a:lvl1pPr>
-              <a:defRPr sz="4800">
+            <a:lvl1pPr defTabSz="432308">
+              <a:defRPr sz="4144">
                 <a:solidFill>
                   <a:srgbClr val="000000"/>
                 </a:solidFill>
@@ -3300,53 +3562,22 @@
               <a:defRPr sz="1800"/>
             </a:pPr>
             <a:r>
-              <a:rPr sz="4800"/>
-              <a:t>recapitulando:</a:t>
-            </a:r>
-          </a:p>
-        </p:txBody>
-      </p:sp>
-      <p:sp>
-        <p:nvSpPr>
-          <p:cNvPr id="108" name="Shape 108"/>
+              <a:rPr sz="4144"/>
+              <a:t>a mentalidade do “mas eu só queria fazer o botãozinho clicar!” não é compatível com essa abordagem!</a:t>
+            </a:r>
+          </a:p>
+        </p:txBody>
+      </p:sp>
+      <p:sp>
+        <p:nvSpPr>
+          <p:cNvPr id="116" name="Shape 116"/>
           <p:cNvSpPr/>
           <p:nvPr/>
         </p:nvSpPr>
         <p:spPr>
           <a:xfrm>
-            <a:off x="3678634" y="2378812"/>
-            <a:ext cx="5647532" cy="1046687"/>
-          </a:xfrm>
-          <a:prstGeom prst="rect">
-            <a:avLst/>
-          </a:prstGeom>
-          <a:blipFill>
-            <a:blip r:embed="rId2"/>
-          </a:blipFill>
-          <a:ln w="12700">
-            <a:miter lim="400000"/>
-          </a:ln>
-        </p:spPr>
-        <p:txBody>
-          <a:bodyPr lIns="50800" tIns="50800" rIns="50800" bIns="50800" anchor="ctr"/>
-          <a:lstStyle/>
-          <a:p>
-            <a:pPr lvl="0">
-              <a:defRPr sz="2600"/>
-            </a:pPr>
-          </a:p>
-        </p:txBody>
-      </p:sp>
-      <p:sp>
-        <p:nvSpPr>
-          <p:cNvPr id="109" name="Shape 109"/>
-          <p:cNvSpPr/>
-          <p:nvPr/>
-        </p:nvSpPr>
-        <p:spPr>
-          <a:xfrm>
-            <a:off x="4936244" y="2565642"/>
-            <a:ext cx="3132312" cy="673027"/>
+            <a:off x="3457723" y="2675227"/>
+            <a:ext cx="6089354" cy="1661382"/>
           </a:xfrm>
           <a:prstGeom prst="rect">
             <a:avLst/>
@@ -3366,7 +3597,10 @@
           </a:bodyPr>
           <a:lstStyle>
             <a:lvl1pPr>
-              <a:defRPr>
+              <a:defRPr sz="9800">
+                <a:solidFill>
+                  <a:srgbClr val="000000"/>
+                </a:solidFill>
                 <a:latin typeface="Monaco"/>
                 <a:ea typeface="Monaco"/>
                 <a:cs typeface="Monaco"/>
@@ -3376,280 +3610,11 @@
           </a:lstStyle>
           <a:p>
             <a:pPr lvl="0">
-              <a:defRPr sz="1800">
-                <a:solidFill>
-                  <a:srgbClr val="000000"/>
-                </a:solidFill>
-              </a:defRPr>
-            </a:pPr>
-            <a:r>
-              <a:rPr sz="3600">
-                <a:solidFill>
-                  <a:srgbClr val="FFFFFF"/>
-                </a:solidFill>
-              </a:rPr>
-              <a:t>organização</a:t>
-            </a:r>
-          </a:p>
-        </p:txBody>
-      </p:sp>
-      <p:sp>
-        <p:nvSpPr>
-          <p:cNvPr id="110" name="Shape 110"/>
-          <p:cNvSpPr/>
-          <p:nvPr/>
-        </p:nvSpPr>
-        <p:spPr>
-          <a:xfrm>
-            <a:off x="3678634" y="3677004"/>
-            <a:ext cx="5647532" cy="1046687"/>
-          </a:xfrm>
-          <a:prstGeom prst="rect">
-            <a:avLst/>
-          </a:prstGeom>
-          <a:blipFill>
-            <a:blip r:embed="rId2"/>
-          </a:blipFill>
-          <a:ln w="12700">
-            <a:miter lim="400000"/>
-          </a:ln>
-        </p:spPr>
-        <p:txBody>
-          <a:bodyPr lIns="50800" tIns="50800" rIns="50800" bIns="50800" anchor="ctr"/>
-          <a:lstStyle/>
-          <a:p>
-            <a:pPr lvl="0">
-              <a:defRPr sz="2600"/>
-            </a:pPr>
-          </a:p>
-        </p:txBody>
-      </p:sp>
-      <p:sp>
-        <p:nvSpPr>
-          <p:cNvPr id="111" name="Shape 111"/>
-          <p:cNvSpPr/>
-          <p:nvPr/>
-        </p:nvSpPr>
-        <p:spPr>
-          <a:xfrm>
-            <a:off x="5073426" y="3863834"/>
-            <a:ext cx="2857948" cy="673026"/>
-          </a:xfrm>
-          <a:prstGeom prst="rect">
-            <a:avLst/>
-          </a:prstGeom>
-          <a:ln w="12700">
-            <a:miter lim="400000"/>
-          </a:ln>
-          <a:extLst>
-            <a:ext uri="{C572A759-6A51-4108-AA02-DFA0A04FC94B}">
-              <ma14:wrappingTextBoxFlag xmlns:ma14="http://schemas.microsoft.com/office/mac/drawingml/2011/main" val="1"/>
-            </a:ext>
-          </a:extLst>
-        </p:spPr>
-        <p:txBody>
-          <a:bodyPr wrap="none" lIns="50800" tIns="50800" rIns="50800" bIns="50800" anchor="ctr">
-            <a:spAutoFit/>
-          </a:bodyPr>
-          <a:lstStyle>
-            <a:lvl1pPr>
-              <a:defRPr>
-                <a:latin typeface="Monaco"/>
-                <a:ea typeface="Monaco"/>
-                <a:cs typeface="Monaco"/>
-                <a:sym typeface="Monaco"/>
-              </a:defRPr>
-            </a:lvl1pPr>
-          </a:lstStyle>
-          <a:p>
-            <a:pPr lvl="0">
-              <a:defRPr sz="1800">
-                <a:solidFill>
-                  <a:srgbClr val="000000"/>
-                </a:solidFill>
-              </a:defRPr>
-            </a:pPr>
-            <a:r>
-              <a:rPr sz="3600">
-                <a:solidFill>
-                  <a:srgbClr val="FFFFFF"/>
-                </a:solidFill>
-              </a:rPr>
-              <a:t>manutenção</a:t>
-            </a:r>
-          </a:p>
-        </p:txBody>
-      </p:sp>
-      <p:sp>
-        <p:nvSpPr>
-          <p:cNvPr id="112" name="Shape 112"/>
-          <p:cNvSpPr/>
-          <p:nvPr/>
-        </p:nvSpPr>
-        <p:spPr>
-          <a:xfrm>
-            <a:off x="3678634" y="4975195"/>
-            <a:ext cx="5647532" cy="1046688"/>
-          </a:xfrm>
-          <a:prstGeom prst="rect">
-            <a:avLst/>
-          </a:prstGeom>
-          <a:blipFill>
-            <a:blip r:embed="rId2"/>
-          </a:blipFill>
-          <a:ln w="12700">
-            <a:miter lim="400000"/>
-          </a:ln>
-        </p:spPr>
-        <p:txBody>
-          <a:bodyPr lIns="50800" tIns="50800" rIns="50800" bIns="50800" anchor="ctr"/>
-          <a:lstStyle/>
-          <a:p>
-            <a:pPr lvl="0">
-              <a:defRPr sz="2600"/>
-            </a:pPr>
-          </a:p>
-        </p:txBody>
-      </p:sp>
-      <p:sp>
-        <p:nvSpPr>
-          <p:cNvPr id="113" name="Shape 113"/>
-          <p:cNvSpPr/>
-          <p:nvPr/>
-        </p:nvSpPr>
-        <p:spPr>
-          <a:xfrm>
-            <a:off x="4524697" y="5165555"/>
-            <a:ext cx="3955406" cy="673027"/>
-          </a:xfrm>
-          <a:prstGeom prst="rect">
-            <a:avLst/>
-          </a:prstGeom>
-          <a:ln w="12700">
-            <a:miter lim="400000"/>
-          </a:ln>
-          <a:extLst>
-            <a:ext uri="{C572A759-6A51-4108-AA02-DFA0A04FC94B}">
-              <ma14:wrappingTextBoxFlag xmlns:ma14="http://schemas.microsoft.com/office/mac/drawingml/2011/main" val="1"/>
-            </a:ext>
-          </a:extLst>
-        </p:spPr>
-        <p:txBody>
-          <a:bodyPr wrap="none" lIns="50800" tIns="50800" rIns="50800" bIns="50800" anchor="ctr">
-            <a:spAutoFit/>
-          </a:bodyPr>
-          <a:lstStyle>
-            <a:lvl1pPr>
-              <a:defRPr>
-                <a:latin typeface="Monaco"/>
-                <a:ea typeface="Monaco"/>
-                <a:cs typeface="Monaco"/>
-                <a:sym typeface="Monaco"/>
-              </a:defRPr>
-            </a:lvl1pPr>
-          </a:lstStyle>
-          <a:p>
-            <a:pPr lvl="0">
-              <a:defRPr sz="1800">
-                <a:solidFill>
-                  <a:srgbClr val="000000"/>
-                </a:solidFill>
-              </a:defRPr>
-            </a:pPr>
-            <a:r>
-              <a:rPr sz="3600">
-                <a:solidFill>
-                  <a:srgbClr val="FFFFFF"/>
-                </a:solidFill>
-              </a:rPr>
-              <a:t>desacoplamento</a:t>
-            </a:r>
-          </a:p>
-        </p:txBody>
-      </p:sp>
-      <p:sp>
-        <p:nvSpPr>
-          <p:cNvPr id="114" name="Shape 114"/>
-          <p:cNvSpPr/>
-          <p:nvPr/>
-        </p:nvSpPr>
-        <p:spPr>
-          <a:xfrm>
-            <a:off x="2002680" y="6463747"/>
-            <a:ext cx="8999440" cy="2069803"/>
-          </a:xfrm>
-          <a:prstGeom prst="rect">
-            <a:avLst/>
-          </a:prstGeom>
-          <a:blipFill>
-            <a:blip r:embed="rId2"/>
-          </a:blipFill>
-          <a:ln w="12700">
-            <a:miter lim="400000"/>
-          </a:ln>
-        </p:spPr>
-        <p:txBody>
-          <a:bodyPr lIns="50800" tIns="50800" rIns="50800" bIns="50800" anchor="ctr"/>
-          <a:lstStyle/>
-          <a:p>
-            <a:pPr lvl="0">
-              <a:defRPr sz="2600"/>
-            </a:pPr>
-          </a:p>
-        </p:txBody>
-      </p:sp>
-      <p:sp>
-        <p:nvSpPr>
-          <p:cNvPr id="115" name="Shape 115"/>
-          <p:cNvSpPr/>
-          <p:nvPr/>
-        </p:nvSpPr>
-        <p:spPr>
-          <a:xfrm>
-            <a:off x="4890516" y="6906052"/>
-            <a:ext cx="3223767" cy="1185193"/>
-          </a:xfrm>
-          <a:prstGeom prst="rect">
-            <a:avLst/>
-          </a:prstGeom>
-          <a:ln w="12700">
-            <a:miter lim="400000"/>
-          </a:ln>
-          <a:extLst>
-            <a:ext uri="{C572A759-6A51-4108-AA02-DFA0A04FC94B}">
-              <ma14:wrappingTextBoxFlag xmlns:ma14="http://schemas.microsoft.com/office/mac/drawingml/2011/main" val="1"/>
-            </a:ext>
-          </a:extLst>
-        </p:spPr>
-        <p:txBody>
-          <a:bodyPr wrap="none" lIns="50800" tIns="50800" rIns="50800" bIns="50800" anchor="ctr">
-            <a:spAutoFit/>
-          </a:bodyPr>
-          <a:lstStyle>
-            <a:lvl1pPr>
-              <a:defRPr sz="6800">
-                <a:latin typeface="Monaco"/>
-                <a:ea typeface="Monaco"/>
-                <a:cs typeface="Monaco"/>
-                <a:sym typeface="Monaco"/>
-              </a:defRPr>
-            </a:lvl1pPr>
-          </a:lstStyle>
-          <a:p>
-            <a:pPr lvl="0">
-              <a:defRPr sz="1800">
-                <a:solidFill>
-                  <a:srgbClr val="000000"/>
-                </a:solidFill>
-              </a:defRPr>
-            </a:pPr>
-            <a:r>
-              <a:rPr sz="6800">
-                <a:solidFill>
-                  <a:srgbClr val="FFFFFF"/>
-                </a:solidFill>
-              </a:rPr>
-              <a:t>testes</a:t>
+              <a:defRPr sz="1800"/>
+            </a:pPr>
+            <a:r>
+              <a:rPr sz="9800"/>
+              <a:t>cuidado!</a:t>
             </a:r>
           </a:p>
         </p:txBody>
@@ -3689,7 +3654,7 @@
       </p:grpSpPr>
       <p:sp>
         <p:nvSpPr>
-          <p:cNvPr id="117" name="Shape 117"/>
+          <p:cNvPr id="118" name="Shape 118"/>
           <p:cNvSpPr/>
           <p:nvPr>
             <p:ph type="title"/>
@@ -3697,8 +3662,8 @@
         </p:nvSpPr>
         <p:spPr>
           <a:xfrm>
-            <a:off x="671463" y="4919372"/>
-            <a:ext cx="11661875" cy="2159001"/>
+            <a:off x="671463" y="1218344"/>
+            <a:ext cx="11661875" cy="1264494"/>
           </a:xfrm>
           <a:prstGeom prst="rect">
             <a:avLst/>
@@ -3707,8 +3672,8 @@
         <p:txBody>
           <a:bodyPr/>
           <a:lstStyle>
-            <a:lvl1pPr defTabSz="432308">
-              <a:defRPr sz="4144">
+            <a:lvl1pPr>
+              <a:defRPr sz="7200">
                 <a:solidFill>
                   <a:srgbClr val="000000"/>
                 </a:solidFill>
@@ -3724,22 +3689,22 @@
               <a:defRPr sz="1800"/>
             </a:pPr>
             <a:r>
-              <a:rPr sz="4144"/>
-              <a:t>a mentalidade do “mas eu só queria fazer o botãozinho clicar!” não é compatível com essa abordagem!</a:t>
-            </a:r>
-          </a:p>
-        </p:txBody>
-      </p:sp>
-      <p:sp>
-        <p:nvSpPr>
-          <p:cNvPr id="118" name="Shape 118"/>
+              <a:rPr sz="7200"/>
+              <a:t>é isso aí!</a:t>
+            </a:r>
+          </a:p>
+        </p:txBody>
+      </p:sp>
+      <p:sp>
+        <p:nvSpPr>
+          <p:cNvPr id="119" name="Shape 119"/>
           <p:cNvSpPr/>
           <p:nvPr/>
         </p:nvSpPr>
         <p:spPr>
           <a:xfrm>
-            <a:off x="3457723" y="2675227"/>
-            <a:ext cx="6089354" cy="1661382"/>
+            <a:off x="1506686" y="5986471"/>
+            <a:ext cx="9991428" cy="780964"/>
           </a:xfrm>
           <a:prstGeom prst="rect">
             <a:avLst/>
@@ -3754,12 +3719,144 @@
           </a:extLst>
         </p:spPr>
         <p:txBody>
+          <a:bodyPr lIns="50800" tIns="50800" rIns="50800" bIns="50800" anchor="ctr">
+            <a:spAutoFit/>
+          </a:bodyPr>
+          <a:lstStyle>
+            <a:lvl1pPr>
+              <a:defRPr sz="4200">
+                <a:solidFill>
+                  <a:srgbClr val="000000"/>
+                </a:solidFill>
+                <a:latin typeface="Monaco"/>
+                <a:ea typeface="Monaco"/>
+                <a:cs typeface="Monaco"/>
+                <a:sym typeface="Monaco"/>
+              </a:defRPr>
+            </a:lvl1pPr>
+          </a:lstStyle>
+          <a:p>
+            <a:pPr lvl="0">
+              <a:defRPr sz="1800"/>
+            </a:pPr>
+            <a:r>
+              <a:rPr sz="4200"/>
+              <a:t>Luciano Ratamero</a:t>
+            </a:r>
+          </a:p>
+        </p:txBody>
+      </p:sp>
+      <p:sp>
+        <p:nvSpPr>
+          <p:cNvPr id="120" name="Shape 120"/>
+          <p:cNvSpPr/>
+          <p:nvPr/>
+        </p:nvSpPr>
+        <p:spPr>
+          <a:xfrm>
+            <a:off x="1169714" y="6953979"/>
+            <a:ext cx="10665372" cy="780964"/>
+          </a:xfrm>
+          <a:prstGeom prst="rect">
+            <a:avLst/>
+          </a:prstGeom>
+          <a:ln w="12700">
+            <a:miter lim="400000"/>
+          </a:ln>
+          <a:extLst>
+            <a:ext uri="{C572A759-6A51-4108-AA02-DFA0A04FC94B}">
+              <ma14:wrappingTextBoxFlag xmlns:ma14="http://schemas.microsoft.com/office/mac/drawingml/2011/main" val="1"/>
+            </a:ext>
+          </a:extLst>
+        </p:spPr>
+        <p:txBody>
+          <a:bodyPr lIns="50800" tIns="50800" rIns="50800" bIns="50800" anchor="ctr">
+            <a:spAutoFit/>
+          </a:bodyPr>
+          <a:lstStyle>
+            <a:lvl1pPr>
+              <a:defRPr sz="4200" u="sng">
+                <a:solidFill>
+                  <a:srgbClr val="000000"/>
+                </a:solidFill>
+                <a:latin typeface="Monaco"/>
+                <a:ea typeface="Monaco"/>
+                <a:cs typeface="Monaco"/>
+                <a:sym typeface="Monaco"/>
+                <a:hlinkClick r:id="rId2" invalidUrl="" action="" tgtFrame="" tooltip="" history="1" highlightClick="0" endSnd="0"/>
+              </a:defRPr>
+            </a:lvl1pPr>
+          </a:lstStyle>
+          <a:p>
+            <a:pPr lvl="0">
+              <a:defRPr sz="1800" u="none"/>
+            </a:pPr>
+            <a:r>
+              <a:rPr sz="4200" u="sng">
+                <a:hlinkClick r:id="rId2" invalidUrl="" action="" tgtFrame="" tooltip="" history="1" highlightClick="0" endSnd="0"/>
+              </a:rPr>
+              <a:t>luciano@ratamero.com</a:t>
+            </a:r>
+          </a:p>
+        </p:txBody>
+      </p:sp>
+      <p:pic>
+        <p:nvPicPr>
+          <p:cNvPr id="121" name="pasted-image.png"/>
+          <p:cNvPicPr/>
+          <p:nvPr/>
+        </p:nvPicPr>
+        <p:blipFill>
+          <a:blip r:embed="rId3">
+            <a:extLst/>
+          </a:blip>
+          <a:stretch>
+            <a:fillRect/>
+          </a:stretch>
+        </p:blipFill>
+        <p:spPr>
+          <a:xfrm>
+            <a:off x="5386041" y="3048764"/>
+            <a:ext cx="2232718" cy="2371781"/>
+          </a:xfrm>
+          <a:prstGeom prst="rect">
+            <a:avLst/>
+          </a:prstGeom>
+          <a:ln w="12700">
+            <a:miter lim="400000"/>
+          </a:ln>
+        </p:spPr>
+      </p:pic>
+      <p:sp>
+        <p:nvSpPr>
+          <p:cNvPr id="122" name="Shape 122"/>
+          <p:cNvSpPr/>
+          <p:nvPr/>
+        </p:nvSpPr>
+        <p:spPr>
+          <a:xfrm>
+            <a:off x="701873" y="7921488"/>
+            <a:ext cx="4748015" cy="613768"/>
+          </a:xfrm>
+          <a:prstGeom prst="rect">
+            <a:avLst/>
+          </a:prstGeom>
+          <a:ln w="12700">
+            <a:miter lim="400000"/>
+          </a:ln>
+          <a:extLst>
+            <a:ext uri="{C572A759-6A51-4108-AA02-DFA0A04FC94B}">
+              <ma14:wrappingTextBoxFlag xmlns:ma14="http://schemas.microsoft.com/office/mac/drawingml/2011/main" val="1"/>
+            </a:ext>
+          </a:extLst>
+        </p:spPr>
+        <p:txBody>
           <a:bodyPr wrap="none" lIns="50800" tIns="50800" rIns="50800" bIns="50800" anchor="ctr">
             <a:spAutoFit/>
           </a:bodyPr>
           <a:lstStyle>
             <a:lvl1pPr>
-              <a:defRPr sz="9800">
+              <a:defRPr sz="3200">
                 <a:solidFill>
                   <a:srgbClr val="000000"/>
                 </a:solidFill>
@@ -3775,8 +3872,59 @@
               <a:defRPr sz="1800"/>
             </a:pPr>
             <a:r>
-              <a:rPr sz="9800"/>
-              <a:t>cuidado!</a:t>
+              <a:rPr sz="3200"/>
+              <a:t>fb: lucianoratamero</a:t>
+            </a:r>
+          </a:p>
+        </p:txBody>
+      </p:sp>
+      <p:sp>
+        <p:nvSpPr>
+          <p:cNvPr id="123" name="Shape 123"/>
+          <p:cNvSpPr/>
+          <p:nvPr/>
+        </p:nvSpPr>
+        <p:spPr>
+          <a:xfrm>
+            <a:off x="6091634" y="7921488"/>
+            <a:ext cx="6211293" cy="613768"/>
+          </a:xfrm>
+          <a:prstGeom prst="rect">
+            <a:avLst/>
+          </a:prstGeom>
+          <a:ln w="12700">
+            <a:miter lim="400000"/>
+          </a:ln>
+          <a:extLst>
+            <a:ext uri="{C572A759-6A51-4108-AA02-DFA0A04FC94B}">
+              <ma14:wrappingTextBoxFlag xmlns:ma14="http://schemas.microsoft.com/office/mac/drawingml/2011/main" val="1"/>
+            </a:ext>
+          </a:extLst>
+        </p:spPr>
+        <p:txBody>
+          <a:bodyPr wrap="none" lIns="50800" tIns="50800" rIns="50800" bIns="50800" anchor="ctr">
+            <a:spAutoFit/>
+          </a:bodyPr>
+          <a:lstStyle>
+            <a:lvl1pPr>
+              <a:defRPr sz="3200">
+                <a:solidFill>
+                  <a:srgbClr val="000000"/>
+                </a:solidFill>
+                <a:latin typeface="Monaco"/>
+                <a:ea typeface="Monaco"/>
+                <a:cs typeface="Monaco"/>
+                <a:sym typeface="Monaco"/>
+              </a:defRPr>
+            </a:lvl1pPr>
+          </a:lstStyle>
+          <a:p>
+            <a:pPr lvl="0">
+              <a:defRPr sz="1800"/>
+            </a:pPr>
+            <a:r>
+              <a:rPr sz="3200"/>
+              <a:t>twitter: @lucianoratamero</a:t>
             </a:r>
           </a:p>
         </p:txBody>
@@ -3816,57 +3964,14 @@
       </p:grpSpPr>
       <p:sp>
         <p:nvSpPr>
-          <p:cNvPr id="120" name="Shape 120"/>
-          <p:cNvSpPr/>
-          <p:nvPr>
-            <p:ph type="title"/>
-          </p:nvPr>
-        </p:nvSpPr>
-        <p:spPr>
-          <a:xfrm>
-            <a:off x="671463" y="1218344"/>
-            <a:ext cx="11661875" cy="1264494"/>
-          </a:xfrm>
-          <a:prstGeom prst="rect">
-            <a:avLst/>
-          </a:prstGeom>
-        </p:spPr>
-        <p:txBody>
-          <a:bodyPr/>
-          <a:lstStyle>
-            <a:lvl1pPr>
-              <a:defRPr sz="7200">
-                <a:solidFill>
-                  <a:srgbClr val="000000"/>
-                </a:solidFill>
-                <a:latin typeface="Monaco"/>
-                <a:ea typeface="Monaco"/>
-                <a:cs typeface="Monaco"/>
-                <a:sym typeface="Monaco"/>
-              </a:defRPr>
-            </a:lvl1pPr>
-          </a:lstStyle>
-          <a:p>
-            <a:pPr lvl="0">
-              <a:defRPr sz="1800"/>
-            </a:pPr>
-            <a:r>
-              <a:rPr sz="7200"/>
-              <a:t>é isso aí!</a:t>
-            </a:r>
-          </a:p>
-        </p:txBody>
-      </p:sp>
-      <p:sp>
-        <p:nvSpPr>
-          <p:cNvPr id="121" name="Shape 121"/>
+          <p:cNvPr id="125" name="Shape 125"/>
           <p:cNvSpPr/>
           <p:nvPr/>
         </p:nvSpPr>
         <p:spPr>
           <a:xfrm>
-            <a:off x="1506686" y="5986471"/>
-            <a:ext cx="9991428" cy="780964"/>
+            <a:off x="2421235" y="1966965"/>
+            <a:ext cx="8162330" cy="1161914"/>
           </a:xfrm>
           <a:prstGeom prst="rect">
             <a:avLst/>
@@ -3881,12 +3986,12 @@
           </a:extLst>
         </p:spPr>
         <p:txBody>
-          <a:bodyPr lIns="50800" tIns="50800" rIns="50800" bIns="50800" anchor="ctr">
+          <a:bodyPr wrap="none" lIns="50800" tIns="50800" rIns="50800" bIns="50800" anchor="ctr">
             <a:spAutoFit/>
           </a:bodyPr>
           <a:lstStyle>
             <a:lvl1pPr>
-              <a:defRPr sz="4200">
+              <a:defRPr sz="6600">
                 <a:solidFill>
                   <a:srgbClr val="000000"/>
                 </a:solidFill>
@@ -3902,22 +4007,22 @@
               <a:defRPr sz="1800"/>
             </a:pPr>
             <a:r>
-              <a:rPr sz="4200"/>
-              <a:t>Luciano Ratamero</a:t>
-            </a:r>
-          </a:p>
-        </p:txBody>
-      </p:sp>
-      <p:sp>
-        <p:nvSpPr>
-          <p:cNvPr id="122" name="Shape 122"/>
+              <a:rPr sz="6600"/>
+              <a:t>quer saber mais?</a:t>
+            </a:r>
+          </a:p>
+        </p:txBody>
+      </p:sp>
+      <p:sp>
+        <p:nvSpPr>
+          <p:cNvPr id="126" name="Shape 126"/>
           <p:cNvSpPr/>
           <p:nvPr/>
         </p:nvSpPr>
         <p:spPr>
           <a:xfrm>
-            <a:off x="1169714" y="6953979"/>
-            <a:ext cx="10665372" cy="780964"/>
+            <a:off x="853454" y="4175131"/>
+            <a:ext cx="11297891" cy="1282626"/>
           </a:xfrm>
           <a:prstGeom prst="rect">
             <a:avLst/>
@@ -3937,7 +4042,7 @@
           </a:bodyPr>
           <a:lstStyle>
             <a:lvl1pPr>
-              <a:defRPr sz="4200" u="sng">
+              <a:defRPr u="sng">
                 <a:solidFill>
                   <a:srgbClr val="000000"/>
                 </a:solidFill>
@@ -3954,51 +4059,24 @@
               <a:defRPr sz="1800" u="none"/>
             </a:pPr>
             <a:r>
-              <a:rPr sz="4200" u="sng">
+              <a:rPr sz="3600" u="sng">
                 <a:hlinkClick r:id="rId2" invalidUrl="" action="" tgtFrame="" tooltip="" history="1" highlightClick="0" endSnd="0"/>
               </a:rPr>
-              <a:t>luciano@ratamero.com</a:t>
-            </a:r>
-          </a:p>
-        </p:txBody>
-      </p:sp>
-      <p:pic>
-        <p:nvPicPr>
-          <p:cNvPr id="123" name="pasted-image.png"/>
-          <p:cNvPicPr/>
+              <a:t>http://martinfowler.com/bliki/SegregatedDOM.html</a:t>
+            </a:r>
+          </a:p>
+        </p:txBody>
+      </p:sp>
+      <p:sp>
+        <p:nvSpPr>
+          <p:cNvPr id="127" name="Shape 127"/>
+          <p:cNvSpPr/>
           <p:nvPr/>
-        </p:nvPicPr>
-        <p:blipFill>
-          <a:blip r:embed="rId3">
-            <a:extLst/>
-          </a:blip>
-          <a:stretch>
-            <a:fillRect/>
-          </a:stretch>
-        </p:blipFill>
-        <p:spPr>
-          <a:xfrm>
-            <a:off x="5386041" y="3048764"/>
-            <a:ext cx="2232718" cy="2371781"/>
-          </a:xfrm>
-          <a:prstGeom prst="rect">
-            <a:avLst/>
-          </a:prstGeom>
-          <a:ln w="12700">
-            <a:miter lim="400000"/>
-          </a:ln>
-        </p:spPr>
-      </p:pic>
-      <p:sp>
-        <p:nvSpPr>
-          <p:cNvPr id="124" name="Shape 124"/>
-          <p:cNvSpPr/>
-          <p:nvPr/>
-        </p:nvSpPr>
-        <p:spPr>
-          <a:xfrm>
-            <a:off x="701873" y="7921488"/>
-            <a:ext cx="4748015" cy="613768"/>
+        </p:nvSpPr>
+        <p:spPr>
+          <a:xfrm>
+            <a:off x="820774" y="6504009"/>
+            <a:ext cx="11363252" cy="1282626"/>
           </a:xfrm>
           <a:prstGeom prst="rect">
             <a:avLst/>
@@ -4018,7 +4096,7 @@
           </a:bodyPr>
           <a:lstStyle>
             <a:lvl1pPr>
-              <a:defRPr sz="3200">
+              <a:defRPr u="sng">
                 <a:solidFill>
                   <a:srgbClr val="000000"/>
                 </a:solidFill>
@@ -4026,67 +4104,19 @@
                 <a:ea typeface="Monaco"/>
                 <a:cs typeface="Monaco"/>
                 <a:sym typeface="Monaco"/>
+                <a:hlinkClick r:id="rId3" invalidUrl="" action="" tgtFrame="" tooltip="" history="1" highlightClick="0" endSnd="0"/>
               </a:defRPr>
             </a:lvl1pPr>
           </a:lstStyle>
           <a:p>
             <a:pPr lvl="0">
-              <a:defRPr sz="1800"/>
-            </a:pPr>
-            <a:r>
-              <a:rPr sz="3200"/>
-              <a:t>fb: lucianoratamero</a:t>
-            </a:r>
-          </a:p>
-        </p:txBody>
-      </p:sp>
-      <p:sp>
-        <p:nvSpPr>
-          <p:cNvPr id="125" name="Shape 125"/>
-          <p:cNvSpPr/>
-          <p:nvPr/>
-        </p:nvSpPr>
-        <p:spPr>
-          <a:xfrm>
-            <a:off x="6091634" y="7921488"/>
-            <a:ext cx="6211293" cy="613768"/>
-          </a:xfrm>
-          <a:prstGeom prst="rect">
-            <a:avLst/>
-          </a:prstGeom>
-          <a:ln w="12700">
-            <a:miter lim="400000"/>
-          </a:ln>
-          <a:extLst>
-            <a:ext uri="{C572A759-6A51-4108-AA02-DFA0A04FC94B}">
-              <ma14:wrappingTextBoxFlag xmlns:ma14="http://schemas.microsoft.com/office/mac/drawingml/2011/main" val="1"/>
-            </a:ext>
-          </a:extLst>
-        </p:spPr>
-        <p:txBody>
-          <a:bodyPr wrap="none" lIns="50800" tIns="50800" rIns="50800" bIns="50800" anchor="ctr">
-            <a:spAutoFit/>
-          </a:bodyPr>
-          <a:lstStyle>
-            <a:lvl1pPr>
-              <a:defRPr sz="3200">
-                <a:solidFill>
-                  <a:srgbClr val="000000"/>
-                </a:solidFill>
-                <a:latin typeface="Monaco"/>
-                <a:ea typeface="Monaco"/>
-                <a:cs typeface="Monaco"/>
-                <a:sym typeface="Monaco"/>
-              </a:defRPr>
-            </a:lvl1pPr>
-          </a:lstStyle>
-          <a:p>
-            <a:pPr lvl="0">
-              <a:defRPr sz="1800"/>
-            </a:pPr>
-            <a:r>
-              <a:rPr sz="3200"/>
-              <a:t>twitter: @lucianoratamero</a:t>
+              <a:defRPr sz="1800" u="none"/>
+            </a:pPr>
+            <a:r>
+              <a:rPr sz="3600" u="sng">
+                <a:hlinkClick r:id="rId3" invalidUrl="" action="" tgtFrame="" tooltip="" history="1" highlightClick="0" endSnd="0"/>
+              </a:rPr>
+              <a:t>http://radar.oreilly.com/2014/01/keeping-jquery-in-check.html</a:t>
             </a:r>
           </a:p>
         </p:txBody>
@@ -5055,8 +5085,8 @@
         <p:txBody>
           <a:bodyPr/>
           <a:lstStyle>
-            <a:lvl1pPr defTabSz="455675">
-              <a:defRPr sz="6240">
+            <a:lvl1pPr>
+              <a:defRPr>
                 <a:solidFill>
                   <a:srgbClr val="000000"/>
                 </a:solidFill>
@@ -5072,8 +5102,8 @@
               <a:defRPr sz="1800"/>
             </a:pPr>
             <a:r>
-              <a:rPr sz="6240"/>
-              <a:t>js tem que ser feio no frontend?</a:t>
+              <a:rPr sz="8000"/>
+              <a:t>segregated DOM</a:t>
             </a:r>
           </a:p>
         </p:txBody>
@@ -5121,7 +5151,7 @@
         </p:nvSpPr>
         <p:spPr>
           <a:xfrm>
-            <a:off x="952500" y="3797300"/>
+            <a:off x="965200" y="254000"/>
             <a:ext cx="11099800" cy="2159000"/>
           </a:xfrm>
           <a:prstGeom prst="rect">
@@ -5149,7 +5179,647 @@
             </a:pPr>
             <a:r>
               <a:rPr sz="8000"/>
-              <a:t>segregated DOM</a:t>
+              <a:t>legal, mas como é?</a:t>
+            </a:r>
+          </a:p>
+        </p:txBody>
+      </p:sp>
+      <p:sp>
+        <p:nvSpPr>
+          <p:cNvPr id="59" name="Shape 59"/>
+          <p:cNvSpPr/>
+          <p:nvPr/>
+        </p:nvSpPr>
+        <p:spPr>
+          <a:xfrm>
+            <a:off x="2308324" y="5105400"/>
+            <a:ext cx="8407202" cy="1435100"/>
+          </a:xfrm>
+          <a:prstGeom prst="rect">
+            <a:avLst/>
+          </a:prstGeom>
+          <a:blipFill>
+            <a:blip r:embed="rId2"/>
+          </a:blipFill>
+          <a:ln w="12700">
+            <a:miter lim="400000"/>
+          </a:ln>
+        </p:spPr>
+        <p:txBody>
+          <a:bodyPr lIns="50800" tIns="50800" rIns="50800" bIns="50800" anchor="ctr"/>
+          <a:lstStyle/>
+          <a:p>
+            <a:pPr lvl="0">
+              <a:defRPr sz="2600"/>
+            </a:pPr>
+          </a:p>
+        </p:txBody>
+      </p:sp>
+      <p:sp>
+        <p:nvSpPr>
+          <p:cNvPr id="60" name="Shape 60"/>
+          <p:cNvSpPr/>
+          <p:nvPr/>
+        </p:nvSpPr>
+        <p:spPr>
+          <a:xfrm>
+            <a:off x="2321024" y="7721600"/>
+            <a:ext cx="8407202" cy="1270000"/>
+          </a:xfrm>
+          <a:prstGeom prst="rect">
+            <a:avLst/>
+          </a:prstGeom>
+          <a:blipFill>
+            <a:blip r:embed="rId2"/>
+          </a:blipFill>
+          <a:ln w="12700">
+            <a:miter lim="400000"/>
+          </a:ln>
+        </p:spPr>
+        <p:txBody>
+          <a:bodyPr lIns="50800" tIns="50800" rIns="50800" bIns="50800" anchor="ctr"/>
+          <a:lstStyle/>
+          <a:p>
+            <a:pPr lvl="0">
+              <a:defRPr sz="2600">
+                <a:latin typeface="Monaco"/>
+                <a:ea typeface="Monaco"/>
+                <a:cs typeface="Monaco"/>
+                <a:sym typeface="Monaco"/>
+              </a:defRPr>
+            </a:pPr>
+          </a:p>
+        </p:txBody>
+      </p:sp>
+      <p:sp>
+        <p:nvSpPr>
+          <p:cNvPr id="61" name="Shape 61"/>
+          <p:cNvSpPr/>
+          <p:nvPr/>
+        </p:nvSpPr>
+        <p:spPr>
+          <a:xfrm>
+            <a:off x="3979143" y="5486437"/>
+            <a:ext cx="5052864" cy="673026"/>
+          </a:xfrm>
+          <a:prstGeom prst="rect">
+            <a:avLst/>
+          </a:prstGeom>
+          <a:ln w="12700">
+            <a:miter lim="400000"/>
+          </a:ln>
+          <a:extLst>
+            <a:ext uri="{C572A759-6A51-4108-AA02-DFA0A04FC94B}">
+              <ma14:wrappingTextBoxFlag xmlns:ma14="http://schemas.microsoft.com/office/mac/drawingml/2011/main" val="1"/>
+            </a:ext>
+          </a:extLst>
+        </p:spPr>
+        <p:txBody>
+          <a:bodyPr wrap="none" lIns="50800" tIns="50800" rIns="50800" bIns="50800" anchor="ctr">
+            <a:spAutoFit/>
+          </a:bodyPr>
+          <a:lstStyle>
+            <a:lvl1pPr>
+              <a:defRPr>
+                <a:latin typeface="Monaco"/>
+                <a:ea typeface="Monaco"/>
+                <a:cs typeface="Monaco"/>
+                <a:sym typeface="Monaco"/>
+              </a:defRPr>
+            </a:lvl1pPr>
+          </a:lstStyle>
+          <a:p>
+            <a:pPr lvl="0">
+              <a:defRPr sz="1800">
+                <a:solidFill>
+                  <a:srgbClr val="000000"/>
+                </a:solidFill>
+              </a:defRPr>
+            </a:pPr>
+            <a:r>
+              <a:rPr sz="3600">
+                <a:solidFill>
+                  <a:srgbClr val="FFFFFF"/>
+                </a:solidFill>
+              </a:rPr>
+              <a:t>presentation layer</a:t>
+            </a:r>
+          </a:p>
+        </p:txBody>
+      </p:sp>
+      <p:sp>
+        <p:nvSpPr>
+          <p:cNvPr id="62" name="Shape 62"/>
+          <p:cNvSpPr/>
+          <p:nvPr/>
+        </p:nvSpPr>
+        <p:spPr>
+          <a:xfrm>
+            <a:off x="6036878" y="8007350"/>
+            <a:ext cx="937394" cy="673026"/>
+          </a:xfrm>
+          <a:prstGeom prst="rect">
+            <a:avLst/>
+          </a:prstGeom>
+          <a:ln w="12700">
+            <a:miter lim="400000"/>
+          </a:ln>
+          <a:extLst>
+            <a:ext uri="{C572A759-6A51-4108-AA02-DFA0A04FC94B}">
+              <ma14:wrappingTextBoxFlag xmlns:ma14="http://schemas.microsoft.com/office/mac/drawingml/2011/main" val="1"/>
+            </a:ext>
+          </a:extLst>
+        </p:spPr>
+        <p:txBody>
+          <a:bodyPr wrap="none" lIns="50800" tIns="50800" rIns="50800" bIns="50800" anchor="ctr">
+            <a:spAutoFit/>
+          </a:bodyPr>
+          <a:lstStyle>
+            <a:lvl1pPr>
+              <a:defRPr>
+                <a:latin typeface="Monaco"/>
+                <a:ea typeface="Monaco"/>
+                <a:cs typeface="Monaco"/>
+                <a:sym typeface="Monaco"/>
+              </a:defRPr>
+            </a:lvl1pPr>
+          </a:lstStyle>
+          <a:p>
+            <a:pPr lvl="0">
+              <a:defRPr sz="1800">
+                <a:solidFill>
+                  <a:srgbClr val="000000"/>
+                </a:solidFill>
+              </a:defRPr>
+            </a:pPr>
+            <a:r>
+              <a:rPr sz="3600">
+                <a:solidFill>
+                  <a:srgbClr val="FFFFFF"/>
+                </a:solidFill>
+              </a:rPr>
+              <a:t>DOM</a:t>
+            </a:r>
+          </a:p>
+        </p:txBody>
+      </p:sp>
+      <p:sp>
+        <p:nvSpPr>
+          <p:cNvPr id="63" name="Shape 63"/>
+          <p:cNvSpPr/>
+          <p:nvPr/>
+        </p:nvSpPr>
+        <p:spPr>
+          <a:xfrm>
+            <a:off x="2301974" y="2489200"/>
+            <a:ext cx="8407202" cy="1435100"/>
+          </a:xfrm>
+          <a:prstGeom prst="rect">
+            <a:avLst/>
+          </a:prstGeom>
+          <a:blipFill>
+            <a:blip r:embed="rId2"/>
+          </a:blipFill>
+          <a:ln w="12700">
+            <a:miter lim="400000"/>
+          </a:ln>
+        </p:spPr>
+        <p:txBody>
+          <a:bodyPr lIns="50800" tIns="50800" rIns="50800" bIns="50800" anchor="ctr"/>
+          <a:lstStyle/>
+          <a:p>
+            <a:pPr lvl="0">
+              <a:defRPr sz="2600"/>
+            </a:pPr>
+          </a:p>
+        </p:txBody>
+      </p:sp>
+      <p:sp>
+        <p:nvSpPr>
+          <p:cNvPr id="64" name="Shape 64"/>
+          <p:cNvSpPr/>
+          <p:nvPr/>
+        </p:nvSpPr>
+        <p:spPr>
+          <a:xfrm>
+            <a:off x="3835610" y="2870237"/>
+            <a:ext cx="5327230" cy="673026"/>
+          </a:xfrm>
+          <a:prstGeom prst="rect">
+            <a:avLst/>
+          </a:prstGeom>
+          <a:ln w="12700">
+            <a:miter lim="400000"/>
+          </a:ln>
+          <a:extLst>
+            <a:ext uri="{C572A759-6A51-4108-AA02-DFA0A04FC94B}">
+              <ma14:wrappingTextBoxFlag xmlns:ma14="http://schemas.microsoft.com/office/mac/drawingml/2011/main" val="1"/>
+            </a:ext>
+          </a:extLst>
+        </p:spPr>
+        <p:txBody>
+          <a:bodyPr wrap="none" lIns="50800" tIns="50800" rIns="50800" bIns="50800" anchor="ctr">
+            <a:spAutoFit/>
+          </a:bodyPr>
+          <a:lstStyle>
+            <a:lvl1pPr>
+              <a:defRPr>
+                <a:latin typeface="Monaco"/>
+                <a:ea typeface="Monaco"/>
+                <a:cs typeface="Monaco"/>
+                <a:sym typeface="Monaco"/>
+              </a:defRPr>
+            </a:lvl1pPr>
+          </a:lstStyle>
+          <a:p>
+            <a:pPr lvl="0">
+              <a:defRPr sz="1800">
+                <a:solidFill>
+                  <a:srgbClr val="000000"/>
+                </a:solidFill>
+              </a:defRPr>
+            </a:pPr>
+            <a:r>
+              <a:rPr sz="3600">
+                <a:solidFill>
+                  <a:srgbClr val="FFFFFF"/>
+                </a:solidFill>
+              </a:rPr>
+              <a:t>código da aplicação</a:t>
+            </a:r>
+          </a:p>
+        </p:txBody>
+      </p:sp>
+      <p:sp>
+        <p:nvSpPr>
+          <p:cNvPr id="65" name="Shape 65"/>
+          <p:cNvSpPr/>
+          <p:nvPr/>
+        </p:nvSpPr>
+        <p:spPr>
+          <a:xfrm>
+            <a:off x="4587874" y="4178337"/>
+            <a:ext cx="1" cy="673026"/>
+          </a:xfrm>
+          <a:prstGeom prst="line">
+            <a:avLst/>
+          </a:prstGeom>
+          <a:ln w="25400">
+            <a:solidFill>
+              <a:srgbClr val="E8A433"/>
+            </a:solidFill>
+            <a:miter lim="400000"/>
+            <a:tailEnd type="triangle"/>
+          </a:ln>
+        </p:spPr>
+        <p:txBody>
+          <a:bodyPr lIns="50800" tIns="50800" rIns="50800" bIns="50800" anchor="ctr"/>
+          <a:lstStyle/>
+          <a:p>
+            <a:pPr lvl="0">
+              <a:defRPr sz="2600"/>
+            </a:pPr>
+          </a:p>
+        </p:txBody>
+      </p:sp>
+      <p:sp>
+        <p:nvSpPr>
+          <p:cNvPr id="66" name="Shape 66"/>
+          <p:cNvSpPr/>
+          <p:nvPr/>
+        </p:nvSpPr>
+        <p:spPr>
+          <a:xfrm flipV="1">
+            <a:off x="8461375" y="4190925"/>
+            <a:ext cx="1" cy="647850"/>
+          </a:xfrm>
+          <a:prstGeom prst="line">
+            <a:avLst/>
+          </a:prstGeom>
+          <a:ln w="25400">
+            <a:solidFill>
+              <a:srgbClr val="E8A433"/>
+            </a:solidFill>
+            <a:miter lim="400000"/>
+            <a:tailEnd type="triangle"/>
+          </a:ln>
+        </p:spPr>
+        <p:txBody>
+          <a:bodyPr lIns="50800" tIns="50800" rIns="50800" bIns="50800" anchor="ctr"/>
+          <a:lstStyle/>
+          <a:p>
+            <a:pPr lvl="0">
+              <a:defRPr sz="2600"/>
+            </a:pPr>
+          </a:p>
+        </p:txBody>
+      </p:sp>
+      <p:sp>
+        <p:nvSpPr>
+          <p:cNvPr id="67" name="Shape 67"/>
+          <p:cNvSpPr/>
+          <p:nvPr/>
+        </p:nvSpPr>
+        <p:spPr>
+          <a:xfrm>
+            <a:off x="4565649" y="6794537"/>
+            <a:ext cx="1" cy="673026"/>
+          </a:xfrm>
+          <a:prstGeom prst="line">
+            <a:avLst/>
+          </a:prstGeom>
+          <a:ln w="25400">
+            <a:solidFill>
+              <a:srgbClr val="E8A433"/>
+            </a:solidFill>
+            <a:miter lim="400000"/>
+            <a:tailEnd type="triangle"/>
+          </a:ln>
+        </p:spPr>
+        <p:txBody>
+          <a:bodyPr lIns="50800" tIns="50800" rIns="50800" bIns="50800" anchor="ctr"/>
+          <a:lstStyle/>
+          <a:p>
+            <a:pPr lvl="0">
+              <a:defRPr sz="2600"/>
+            </a:pPr>
+          </a:p>
+        </p:txBody>
+      </p:sp>
+      <p:sp>
+        <p:nvSpPr>
+          <p:cNvPr id="68" name="Shape 68"/>
+          <p:cNvSpPr/>
+          <p:nvPr/>
+        </p:nvSpPr>
+        <p:spPr>
+          <a:xfrm flipV="1">
+            <a:off x="8461375" y="6794537"/>
+            <a:ext cx="1" cy="647850"/>
+          </a:xfrm>
+          <a:prstGeom prst="line">
+            <a:avLst/>
+          </a:prstGeom>
+          <a:ln w="25400">
+            <a:solidFill>
+              <a:srgbClr val="E8A433"/>
+            </a:solidFill>
+            <a:miter lim="400000"/>
+            <a:tailEnd type="triangle"/>
+          </a:ln>
+        </p:spPr>
+        <p:txBody>
+          <a:bodyPr lIns="50800" tIns="50800" rIns="50800" bIns="50800" anchor="ctr"/>
+          <a:lstStyle/>
+          <a:p>
+            <a:pPr lvl="0">
+              <a:defRPr sz="2600"/>
+            </a:pPr>
+          </a:p>
+        </p:txBody>
+      </p:sp>
+      <p:sp>
+        <p:nvSpPr>
+          <p:cNvPr id="69" name="Shape 69"/>
+          <p:cNvSpPr/>
+          <p:nvPr/>
+        </p:nvSpPr>
+        <p:spPr>
+          <a:xfrm>
+            <a:off x="2652910" y="4273574"/>
+            <a:ext cx="1577580" cy="482552"/>
+          </a:xfrm>
+          <a:prstGeom prst="rect">
+            <a:avLst/>
+          </a:prstGeom>
+          <a:ln w="12700">
+            <a:miter lim="400000"/>
+          </a:ln>
+          <a:extLst>
+            <a:ext uri="{C572A759-6A51-4108-AA02-DFA0A04FC94B}">
+              <ma14:wrappingTextBoxFlag xmlns:ma14="http://schemas.microsoft.com/office/mac/drawingml/2011/main" val="1"/>
+            </a:ext>
+          </a:extLst>
+        </p:spPr>
+        <p:txBody>
+          <a:bodyPr wrap="none" lIns="50800" tIns="50800" rIns="50800" bIns="50800" anchor="ctr">
+            <a:spAutoFit/>
+          </a:bodyPr>
+          <a:lstStyle>
+            <a:lvl1pPr>
+              <a:defRPr sz="2400">
+                <a:solidFill>
+                  <a:srgbClr val="000000"/>
+                </a:solidFill>
+                <a:latin typeface="Monaco"/>
+                <a:ea typeface="Monaco"/>
+                <a:cs typeface="Monaco"/>
+                <a:sym typeface="Monaco"/>
+              </a:defRPr>
+            </a:lvl1pPr>
+          </a:lstStyle>
+          <a:p>
+            <a:pPr lvl="0">
+              <a:defRPr sz="1800"/>
+            </a:pPr>
+            <a:r>
+              <a:rPr sz="2400"/>
+              <a:t>intenção</a:t>
+            </a:r>
+          </a:p>
+        </p:txBody>
+      </p:sp>
+      <p:sp>
+        <p:nvSpPr>
+          <p:cNvPr id="70" name="Shape 70"/>
+          <p:cNvSpPr/>
+          <p:nvPr/>
+        </p:nvSpPr>
+        <p:spPr>
+          <a:xfrm>
+            <a:off x="2378546" y="6889774"/>
+            <a:ext cx="2126308" cy="482552"/>
+          </a:xfrm>
+          <a:prstGeom prst="rect">
+            <a:avLst/>
+          </a:prstGeom>
+          <a:ln w="12700">
+            <a:miter lim="400000"/>
+          </a:ln>
+          <a:extLst>
+            <a:ext uri="{C572A759-6A51-4108-AA02-DFA0A04FC94B}">
+              <ma14:wrappingTextBoxFlag xmlns:ma14="http://schemas.microsoft.com/office/mac/drawingml/2011/main" val="1"/>
+            </a:ext>
+          </a:extLst>
+        </p:spPr>
+        <p:txBody>
+          <a:bodyPr wrap="none" lIns="50800" tIns="50800" rIns="50800" bIns="50800" anchor="ctr">
+            <a:spAutoFit/>
+          </a:bodyPr>
+          <a:lstStyle>
+            <a:lvl1pPr>
+              <a:defRPr sz="2400">
+                <a:solidFill>
+                  <a:srgbClr val="000000"/>
+                </a:solidFill>
+                <a:latin typeface="Monaco"/>
+                <a:ea typeface="Monaco"/>
+                <a:cs typeface="Monaco"/>
+                <a:sym typeface="Monaco"/>
+              </a:defRPr>
+            </a:lvl1pPr>
+          </a:lstStyle>
+          <a:p>
+            <a:pPr lvl="0">
+              <a:defRPr sz="1800"/>
+            </a:pPr>
+            <a:r>
+              <a:rPr sz="2400"/>
+              <a:t>manipulação</a:t>
+            </a:r>
+          </a:p>
+        </p:txBody>
+      </p:sp>
+      <p:sp>
+        <p:nvSpPr>
+          <p:cNvPr id="71" name="Shape 71"/>
+          <p:cNvSpPr/>
+          <p:nvPr/>
+        </p:nvSpPr>
+        <p:spPr>
+          <a:xfrm>
+            <a:off x="8682856" y="6686574"/>
+            <a:ext cx="1760488" cy="888952"/>
+          </a:xfrm>
+          <a:prstGeom prst="rect">
+            <a:avLst/>
+          </a:prstGeom>
+          <a:ln w="12700">
+            <a:miter lim="400000"/>
+          </a:ln>
+          <a:extLst>
+            <a:ext uri="{C572A759-6A51-4108-AA02-DFA0A04FC94B}">
+              <ma14:wrappingTextBoxFlag xmlns:ma14="http://schemas.microsoft.com/office/mac/drawingml/2011/main" val="1"/>
+            </a:ext>
+          </a:extLst>
+        </p:spPr>
+        <p:txBody>
+          <a:bodyPr wrap="none" lIns="50800" tIns="50800" rIns="50800" bIns="50800" anchor="ctr">
+            <a:spAutoFit/>
+          </a:bodyPr>
+          <a:lstStyle/>
+          <a:p>
+            <a:pPr lvl="0">
+              <a:defRPr sz="1800">
+                <a:solidFill>
+                  <a:srgbClr val="000000"/>
+                </a:solidFill>
+              </a:defRPr>
+            </a:pPr>
+            <a:r>
+              <a:rPr sz="2400">
+                <a:latin typeface="Monaco"/>
+                <a:ea typeface="Monaco"/>
+                <a:cs typeface="Monaco"/>
+                <a:sym typeface="Monaco"/>
+              </a:rPr>
+              <a:t>eventos </a:t>
+            </a:r>
+            <a:endParaRPr sz="2400">
+              <a:latin typeface="Monaco"/>
+              <a:ea typeface="Monaco"/>
+              <a:cs typeface="Monaco"/>
+              <a:sym typeface="Monaco"/>
+            </a:endParaRPr>
+          </a:p>
+          <a:p>
+            <a:pPr lvl="0">
+              <a:defRPr sz="1800">
+                <a:solidFill>
+                  <a:srgbClr val="000000"/>
+                </a:solidFill>
+              </a:defRPr>
+            </a:pPr>
+            <a:r>
+              <a:rPr sz="2400">
+                <a:latin typeface="Monaco"/>
+                <a:ea typeface="Monaco"/>
+                <a:cs typeface="Monaco"/>
+                <a:sym typeface="Monaco"/>
+              </a:rPr>
+              <a:t>do DOM</a:t>
+            </a:r>
+          </a:p>
+        </p:txBody>
+      </p:sp>
+      <p:sp>
+        <p:nvSpPr>
+          <p:cNvPr id="72" name="Shape 72"/>
+          <p:cNvSpPr/>
+          <p:nvPr/>
+        </p:nvSpPr>
+        <p:spPr>
+          <a:xfrm>
+            <a:off x="8591401" y="4070374"/>
+            <a:ext cx="1943398" cy="888952"/>
+          </a:xfrm>
+          <a:prstGeom prst="rect">
+            <a:avLst/>
+          </a:prstGeom>
+          <a:ln w="12700">
+            <a:miter lim="400000"/>
+          </a:ln>
+          <a:extLst>
+            <a:ext uri="{C572A759-6A51-4108-AA02-DFA0A04FC94B}">
+              <ma14:wrappingTextBoxFlag xmlns:ma14="http://schemas.microsoft.com/office/mac/drawingml/2011/main" val="1"/>
+            </a:ext>
+          </a:extLst>
+        </p:spPr>
+        <p:txBody>
+          <a:bodyPr wrap="none" lIns="50800" tIns="50800" rIns="50800" bIns="50800" anchor="ctr">
+            <a:spAutoFit/>
+          </a:bodyPr>
+          <a:lstStyle/>
+          <a:p>
+            <a:pPr lvl="0">
+              <a:defRPr sz="1800">
+                <a:solidFill>
+                  <a:srgbClr val="000000"/>
+                </a:solidFill>
+              </a:defRPr>
+            </a:pPr>
+            <a:r>
+              <a:rPr sz="2400">
+                <a:latin typeface="Monaco"/>
+                <a:ea typeface="Monaco"/>
+                <a:cs typeface="Monaco"/>
+                <a:sym typeface="Monaco"/>
+              </a:rPr>
+              <a:t>eventos </a:t>
+            </a:r>
+            <a:endParaRPr sz="2400">
+              <a:latin typeface="Monaco"/>
+              <a:ea typeface="Monaco"/>
+              <a:cs typeface="Monaco"/>
+              <a:sym typeface="Monaco"/>
+            </a:endParaRPr>
+          </a:p>
+          <a:p>
+            <a:pPr lvl="0">
+              <a:defRPr sz="1800">
+                <a:solidFill>
+                  <a:srgbClr val="000000"/>
+                </a:solidFill>
+              </a:defRPr>
+            </a:pPr>
+            <a:r>
+              <a:rPr sz="2400">
+                <a:latin typeface="Monaco"/>
+                <a:ea typeface="Monaco"/>
+                <a:cs typeface="Monaco"/>
+                <a:sym typeface="Monaco"/>
+              </a:rPr>
+              <a:t>do domínio</a:t>
             </a:r>
           </a:p>
         </p:txBody>
@@ -5189,57 +5859,14 @@
       </p:grpSpPr>
       <p:sp>
         <p:nvSpPr>
-          <p:cNvPr id="60" name="Shape 60"/>
-          <p:cNvSpPr/>
-          <p:nvPr>
-            <p:ph type="title"/>
-          </p:nvPr>
-        </p:nvSpPr>
-        <p:spPr>
-          <a:xfrm>
-            <a:off x="965200" y="254000"/>
-            <a:ext cx="11099800" cy="2159000"/>
-          </a:xfrm>
-          <a:prstGeom prst="rect">
-            <a:avLst/>
-          </a:prstGeom>
-        </p:spPr>
-        <p:txBody>
-          <a:bodyPr/>
-          <a:lstStyle>
-            <a:lvl1pPr>
-              <a:defRPr>
-                <a:solidFill>
-                  <a:srgbClr val="000000"/>
-                </a:solidFill>
-                <a:latin typeface="Monaco"/>
-                <a:ea typeface="Monaco"/>
-                <a:cs typeface="Monaco"/>
-                <a:sym typeface="Monaco"/>
-              </a:defRPr>
-            </a:lvl1pPr>
-          </a:lstStyle>
-          <a:p>
-            <a:pPr lvl="0">
-              <a:defRPr sz="1800"/>
-            </a:pPr>
-            <a:r>
-              <a:rPr sz="8000"/>
-              <a:t>legal, mas como é?</a:t>
-            </a:r>
-          </a:p>
-        </p:txBody>
-      </p:sp>
-      <p:sp>
-        <p:nvSpPr>
-          <p:cNvPr id="61" name="Shape 61"/>
+          <p:cNvPr id="74" name="Shape 74"/>
           <p:cNvSpPr/>
           <p:nvPr/>
         </p:nvSpPr>
         <p:spPr>
           <a:xfrm>
-            <a:off x="2308324" y="5105400"/>
-            <a:ext cx="8407202" cy="1435100"/>
+            <a:off x="1981200" y="3637898"/>
+            <a:ext cx="9017000" cy="1557091"/>
           </a:xfrm>
           <a:prstGeom prst="rect">
             <a:avLst/>
@@ -5263,50 +5890,57 @@
       </p:sp>
       <p:sp>
         <p:nvSpPr>
-          <p:cNvPr id="62" name="Shape 62"/>
-          <p:cNvSpPr/>
-          <p:nvPr/>
-        </p:nvSpPr>
-        <p:spPr>
-          <a:xfrm>
-            <a:off x="2321024" y="7721600"/>
-            <a:ext cx="8407202" cy="1270000"/>
-          </a:xfrm>
-          <a:prstGeom prst="rect">
-            <a:avLst/>
-          </a:prstGeom>
-          <a:blipFill>
-            <a:blip r:embed="rId2"/>
-          </a:blipFill>
-          <a:ln w="12700">
-            <a:miter lim="400000"/>
-          </a:ln>
-        </p:spPr>
-        <p:txBody>
-          <a:bodyPr lIns="50800" tIns="50800" rIns="50800" bIns="50800" anchor="ctr"/>
-          <a:lstStyle/>
-          <a:p>
-            <a:pPr lvl="0">
-              <a:defRPr sz="2600">
+          <p:cNvPr id="75" name="Shape 75"/>
+          <p:cNvSpPr/>
+          <p:nvPr>
+            <p:ph type="title"/>
+          </p:nvPr>
+        </p:nvSpPr>
+        <p:spPr>
+          <a:xfrm>
+            <a:off x="952500" y="908701"/>
+            <a:ext cx="11099800" cy="2159001"/>
+          </a:xfrm>
+          <a:prstGeom prst="rect">
+            <a:avLst/>
+          </a:prstGeom>
+        </p:spPr>
+        <p:txBody>
+          <a:bodyPr/>
+          <a:lstStyle>
+            <a:lvl1pPr defTabSz="549148">
+              <a:defRPr sz="7519">
+                <a:solidFill>
+                  <a:srgbClr val="000000"/>
+                </a:solidFill>
                 <a:latin typeface="Monaco"/>
                 <a:ea typeface="Monaco"/>
                 <a:cs typeface="Monaco"/>
                 <a:sym typeface="Monaco"/>
               </a:defRPr>
-            </a:pPr>
-          </a:p>
-        </p:txBody>
-      </p:sp>
-      <p:sp>
-        <p:nvSpPr>
-          <p:cNvPr id="63" name="Shape 63"/>
+            </a:lvl1pPr>
+          </a:lstStyle>
+          <a:p>
+            <a:pPr lvl="0">
+              <a:defRPr sz="1800"/>
+            </a:pPr>
+            <a:r>
+              <a:rPr sz="7519"/>
+              <a:t>o que você prefere?</a:t>
+            </a:r>
+          </a:p>
+        </p:txBody>
+      </p:sp>
+      <p:sp>
+        <p:nvSpPr>
+          <p:cNvPr id="76" name="Shape 76"/>
           <p:cNvSpPr/>
           <p:nvPr/>
         </p:nvSpPr>
         <p:spPr>
           <a:xfrm>
-            <a:off x="3979143" y="5486437"/>
-            <a:ext cx="5052864" cy="673026"/>
+            <a:off x="2367917" y="4125850"/>
+            <a:ext cx="8243566" cy="732285"/>
           </a:xfrm>
           <a:prstGeom prst="rect">
             <a:avLst/>
@@ -5321,12 +5955,12 @@
           </a:extLst>
         </p:spPr>
         <p:txBody>
-          <a:bodyPr wrap="none" lIns="50800" tIns="50800" rIns="50800" bIns="50800" anchor="ctr">
+          <a:bodyPr lIns="50800" tIns="50800" rIns="50800" bIns="50800" anchor="ctr">
             <a:spAutoFit/>
           </a:bodyPr>
           <a:lstStyle>
             <a:lvl1pPr>
-              <a:defRPr>
+              <a:defRPr sz="4000">
                 <a:latin typeface="Monaco"/>
                 <a:ea typeface="Monaco"/>
                 <a:cs typeface="Monaco"/>
@@ -5343,26 +5977,26 @@
               </a:defRPr>
             </a:pPr>
             <a:r>
-              <a:rPr sz="3600">
+              <a:rPr sz="4000">
                 <a:solidFill>
                   <a:srgbClr val="FFFFFF"/>
                 </a:solidFill>
               </a:rPr>
-              <a:t>presentation layer</a:t>
-            </a:r>
-          </a:p>
-        </p:txBody>
-      </p:sp>
-      <p:sp>
-        <p:nvSpPr>
-          <p:cNvPr id="64" name="Shape 64"/>
+              <a:t>$('#id_name, #id_message')</a:t>
+            </a:r>
+          </a:p>
+        </p:txBody>
+      </p:sp>
+      <p:sp>
+        <p:nvSpPr>
+          <p:cNvPr id="77" name="Shape 77"/>
           <p:cNvSpPr/>
           <p:nvPr/>
         </p:nvSpPr>
         <p:spPr>
           <a:xfrm>
-            <a:off x="6036878" y="8007350"/>
-            <a:ext cx="937394" cy="673026"/>
+            <a:off x="2380617" y="5765186"/>
+            <a:ext cx="8243566" cy="673026"/>
           </a:xfrm>
           <a:prstGeom prst="rect">
             <a:avLst/>
@@ -5377,12 +6011,15 @@
           </a:extLst>
         </p:spPr>
         <p:txBody>
-          <a:bodyPr wrap="none" lIns="50800" tIns="50800" rIns="50800" bIns="50800" anchor="ctr">
+          <a:bodyPr lIns="50800" tIns="50800" rIns="50800" bIns="50800" anchor="ctr">
             <a:spAutoFit/>
           </a:bodyPr>
           <a:lstStyle>
             <a:lvl1pPr>
               <a:defRPr>
+                <a:solidFill>
+                  <a:srgbClr val="000000"/>
+                </a:solidFill>
                 <a:latin typeface="Monaco"/>
                 <a:ea typeface="Monaco"/>
                 <a:cs typeface="Monaco"/>
@@ -5392,33 +6029,25 @@
           </a:lstStyle>
           <a:p>
             <a:pPr lvl="0">
-              <a:defRPr sz="1800">
-                <a:solidFill>
-                  <a:srgbClr val="000000"/>
-                </a:solidFill>
-              </a:defRPr>
-            </a:pPr>
-            <a:r>
-              <a:rPr sz="3600">
-                <a:solidFill>
-                  <a:srgbClr val="FFFFFF"/>
-                </a:solidFill>
-              </a:rPr>
-              <a:t>DOM</a:t>
-            </a:r>
-          </a:p>
-        </p:txBody>
-      </p:sp>
-      <p:sp>
-        <p:nvSpPr>
-          <p:cNvPr id="65" name="Shape 65"/>
+              <a:defRPr sz="1800"/>
+            </a:pPr>
+            <a:r>
+              <a:rPr sz="3600"/>
+              <a:t>ou</a:t>
+            </a:r>
+          </a:p>
+        </p:txBody>
+      </p:sp>
+      <p:sp>
+        <p:nvSpPr>
+          <p:cNvPr id="78" name="Shape 78"/>
           <p:cNvSpPr/>
           <p:nvPr/>
         </p:nvSpPr>
         <p:spPr>
           <a:xfrm>
-            <a:off x="2301974" y="2489200"/>
-            <a:ext cx="8407202" cy="1435100"/>
+            <a:off x="1981200" y="7008409"/>
+            <a:ext cx="9017000" cy="1557090"/>
           </a:xfrm>
           <a:prstGeom prst="rect">
             <a:avLst/>
@@ -5442,14 +6071,14 @@
       </p:sp>
       <p:sp>
         <p:nvSpPr>
-          <p:cNvPr id="66" name="Shape 66"/>
+          <p:cNvPr id="79" name="Shape 79"/>
           <p:cNvSpPr/>
           <p:nvPr/>
         </p:nvSpPr>
         <p:spPr>
           <a:xfrm>
-            <a:off x="3835610" y="2870237"/>
-            <a:ext cx="5327230" cy="673026"/>
+            <a:off x="2367917" y="7496361"/>
+            <a:ext cx="8243566" cy="732285"/>
           </a:xfrm>
           <a:prstGeom prst="rect">
             <a:avLst/>
@@ -5464,12 +6093,12 @@
           </a:extLst>
         </p:spPr>
         <p:txBody>
-          <a:bodyPr wrap="none" lIns="50800" tIns="50800" rIns="50800" bIns="50800" anchor="ctr">
+          <a:bodyPr lIns="50800" tIns="50800" rIns="50800" bIns="50800" anchor="ctr">
             <a:spAutoFit/>
           </a:bodyPr>
           <a:lstStyle>
             <a:lvl1pPr>
-              <a:defRPr>
+              <a:defRPr sz="4000">
                 <a:latin typeface="Monaco"/>
                 <a:ea typeface="Monaco"/>
                 <a:cs typeface="Monaco"/>
@@ -5486,386 +6115,12 @@
               </a:defRPr>
             </a:pPr>
             <a:r>
-              <a:rPr sz="3600">
+              <a:rPr sz="4000">
                 <a:solidFill>
                   <a:srgbClr val="FFFFFF"/>
                 </a:solidFill>
               </a:rPr>
-              <a:t>código da aplicação</a:t>
-            </a:r>
-          </a:p>
-        </p:txBody>
-      </p:sp>
-      <p:sp>
-        <p:nvSpPr>
-          <p:cNvPr id="67" name="Shape 67"/>
-          <p:cNvSpPr/>
-          <p:nvPr/>
-        </p:nvSpPr>
-        <p:spPr>
-          <a:xfrm>
-            <a:off x="4587874" y="4178337"/>
-            <a:ext cx="1" cy="673026"/>
-          </a:xfrm>
-          <a:prstGeom prst="line">
-            <a:avLst/>
-          </a:prstGeom>
-          <a:ln w="25400">
-            <a:solidFill>
-              <a:srgbClr val="E8A433"/>
-            </a:solidFill>
-            <a:miter lim="400000"/>
-            <a:tailEnd type="triangle"/>
-          </a:ln>
-        </p:spPr>
-        <p:txBody>
-          <a:bodyPr lIns="50800" tIns="50800" rIns="50800" bIns="50800" anchor="ctr"/>
-          <a:lstStyle/>
-          <a:p>
-            <a:pPr lvl="0">
-              <a:defRPr sz="2600"/>
-            </a:pPr>
-          </a:p>
-        </p:txBody>
-      </p:sp>
-      <p:sp>
-        <p:nvSpPr>
-          <p:cNvPr id="68" name="Shape 68"/>
-          <p:cNvSpPr/>
-          <p:nvPr/>
-        </p:nvSpPr>
-        <p:spPr>
-          <a:xfrm flipV="1">
-            <a:off x="8461375" y="4190925"/>
-            <a:ext cx="1" cy="647850"/>
-          </a:xfrm>
-          <a:prstGeom prst="line">
-            <a:avLst/>
-          </a:prstGeom>
-          <a:ln w="25400">
-            <a:solidFill>
-              <a:srgbClr val="E8A433"/>
-            </a:solidFill>
-            <a:miter lim="400000"/>
-            <a:tailEnd type="triangle"/>
-          </a:ln>
-        </p:spPr>
-        <p:txBody>
-          <a:bodyPr lIns="50800" tIns="50800" rIns="50800" bIns="50800" anchor="ctr"/>
-          <a:lstStyle/>
-          <a:p>
-            <a:pPr lvl="0">
-              <a:defRPr sz="2600"/>
-            </a:pPr>
-          </a:p>
-        </p:txBody>
-      </p:sp>
-      <p:sp>
-        <p:nvSpPr>
-          <p:cNvPr id="69" name="Shape 69"/>
-          <p:cNvSpPr/>
-          <p:nvPr/>
-        </p:nvSpPr>
-        <p:spPr>
-          <a:xfrm>
-            <a:off x="4565649" y="6794537"/>
-            <a:ext cx="1" cy="673026"/>
-          </a:xfrm>
-          <a:prstGeom prst="line">
-            <a:avLst/>
-          </a:prstGeom>
-          <a:ln w="25400">
-            <a:solidFill>
-              <a:srgbClr val="E8A433"/>
-            </a:solidFill>
-            <a:miter lim="400000"/>
-            <a:tailEnd type="triangle"/>
-          </a:ln>
-        </p:spPr>
-        <p:txBody>
-          <a:bodyPr lIns="50800" tIns="50800" rIns="50800" bIns="50800" anchor="ctr"/>
-          <a:lstStyle/>
-          <a:p>
-            <a:pPr lvl="0">
-              <a:defRPr sz="2600"/>
-            </a:pPr>
-          </a:p>
-        </p:txBody>
-      </p:sp>
-      <p:sp>
-        <p:nvSpPr>
-          <p:cNvPr id="70" name="Shape 70"/>
-          <p:cNvSpPr/>
-          <p:nvPr/>
-        </p:nvSpPr>
-        <p:spPr>
-          <a:xfrm flipV="1">
-            <a:off x="8461375" y="6794537"/>
-            <a:ext cx="1" cy="647850"/>
-          </a:xfrm>
-          <a:prstGeom prst="line">
-            <a:avLst/>
-          </a:prstGeom>
-          <a:ln w="25400">
-            <a:solidFill>
-              <a:srgbClr val="E8A433"/>
-            </a:solidFill>
-            <a:miter lim="400000"/>
-            <a:tailEnd type="triangle"/>
-          </a:ln>
-        </p:spPr>
-        <p:txBody>
-          <a:bodyPr lIns="50800" tIns="50800" rIns="50800" bIns="50800" anchor="ctr"/>
-          <a:lstStyle/>
-          <a:p>
-            <a:pPr lvl="0">
-              <a:defRPr sz="2600"/>
-            </a:pPr>
-          </a:p>
-        </p:txBody>
-      </p:sp>
-      <p:sp>
-        <p:nvSpPr>
-          <p:cNvPr id="71" name="Shape 71"/>
-          <p:cNvSpPr/>
-          <p:nvPr/>
-        </p:nvSpPr>
-        <p:spPr>
-          <a:xfrm>
-            <a:off x="2652910" y="4273574"/>
-            <a:ext cx="1577580" cy="482552"/>
-          </a:xfrm>
-          <a:prstGeom prst="rect">
-            <a:avLst/>
-          </a:prstGeom>
-          <a:ln w="12700">
-            <a:miter lim="400000"/>
-          </a:ln>
-          <a:extLst>
-            <a:ext uri="{C572A759-6A51-4108-AA02-DFA0A04FC94B}">
-              <ma14:wrappingTextBoxFlag xmlns:ma14="http://schemas.microsoft.com/office/mac/drawingml/2011/main" val="1"/>
-            </a:ext>
-          </a:extLst>
-        </p:spPr>
-        <p:txBody>
-          <a:bodyPr wrap="none" lIns="50800" tIns="50800" rIns="50800" bIns="50800" anchor="ctr">
-            <a:spAutoFit/>
-          </a:bodyPr>
-          <a:lstStyle>
-            <a:lvl1pPr>
-              <a:defRPr sz="2400">
-                <a:solidFill>
-                  <a:srgbClr val="000000"/>
-                </a:solidFill>
-                <a:latin typeface="Monaco"/>
-                <a:ea typeface="Monaco"/>
-                <a:cs typeface="Monaco"/>
-                <a:sym typeface="Monaco"/>
-              </a:defRPr>
-            </a:lvl1pPr>
-          </a:lstStyle>
-          <a:p>
-            <a:pPr lvl="0">
-              <a:defRPr sz="1800"/>
-            </a:pPr>
-            <a:r>
-              <a:rPr sz="2400"/>
-              <a:t>intenção</a:t>
-            </a:r>
-          </a:p>
-        </p:txBody>
-      </p:sp>
-      <p:sp>
-        <p:nvSpPr>
-          <p:cNvPr id="72" name="Shape 72"/>
-          <p:cNvSpPr/>
-          <p:nvPr/>
-        </p:nvSpPr>
-        <p:spPr>
-          <a:xfrm>
-            <a:off x="2378546" y="6889774"/>
-            <a:ext cx="2126308" cy="482552"/>
-          </a:xfrm>
-          <a:prstGeom prst="rect">
-            <a:avLst/>
-          </a:prstGeom>
-          <a:ln w="12700">
-            <a:miter lim="400000"/>
-          </a:ln>
-          <a:extLst>
-            <a:ext uri="{C572A759-6A51-4108-AA02-DFA0A04FC94B}">
-              <ma14:wrappingTextBoxFlag xmlns:ma14="http://schemas.microsoft.com/office/mac/drawingml/2011/main" val="1"/>
-            </a:ext>
-          </a:extLst>
-        </p:spPr>
-        <p:txBody>
-          <a:bodyPr wrap="none" lIns="50800" tIns="50800" rIns="50800" bIns="50800" anchor="ctr">
-            <a:spAutoFit/>
-          </a:bodyPr>
-          <a:lstStyle>
-            <a:lvl1pPr>
-              <a:defRPr sz="2400">
-                <a:solidFill>
-                  <a:srgbClr val="000000"/>
-                </a:solidFill>
-                <a:latin typeface="Monaco"/>
-                <a:ea typeface="Monaco"/>
-                <a:cs typeface="Monaco"/>
-                <a:sym typeface="Monaco"/>
-              </a:defRPr>
-            </a:lvl1pPr>
-          </a:lstStyle>
-          <a:p>
-            <a:pPr lvl="0">
-              <a:defRPr sz="1800"/>
-            </a:pPr>
-            <a:r>
-              <a:rPr sz="2400"/>
-              <a:t>manipulação</a:t>
-            </a:r>
-          </a:p>
-        </p:txBody>
-      </p:sp>
-      <p:sp>
-        <p:nvSpPr>
-          <p:cNvPr id="73" name="Shape 73"/>
-          <p:cNvSpPr/>
-          <p:nvPr/>
-        </p:nvSpPr>
-        <p:spPr>
-          <a:xfrm>
-            <a:off x="8682856" y="6686574"/>
-            <a:ext cx="1760488" cy="888952"/>
-          </a:xfrm>
-          <a:prstGeom prst="rect">
-            <a:avLst/>
-          </a:prstGeom>
-          <a:ln w="12700">
-            <a:miter lim="400000"/>
-          </a:ln>
-          <a:extLst>
-            <a:ext uri="{C572A759-6A51-4108-AA02-DFA0A04FC94B}">
-              <ma14:wrappingTextBoxFlag xmlns:ma14="http://schemas.microsoft.com/office/mac/drawingml/2011/main" val="1"/>
-            </a:ext>
-          </a:extLst>
-        </p:spPr>
-        <p:txBody>
-          <a:bodyPr wrap="none" lIns="50800" tIns="50800" rIns="50800" bIns="50800" anchor="ctr">
-            <a:spAutoFit/>
-          </a:bodyPr>
-          <a:lstStyle/>
-          <a:p>
-            <a:pPr lvl="0">
-              <a:defRPr sz="1800">
-                <a:solidFill>
-                  <a:srgbClr val="000000"/>
-                </a:solidFill>
-              </a:defRPr>
-            </a:pPr>
-            <a:r>
-              <a:rPr sz="2400">
-                <a:latin typeface="Monaco"/>
-                <a:ea typeface="Monaco"/>
-                <a:cs typeface="Monaco"/>
-                <a:sym typeface="Monaco"/>
-              </a:rPr>
-              <a:t>eventos </a:t>
-            </a:r>
-            <a:endParaRPr sz="2400">
-              <a:latin typeface="Monaco"/>
-              <a:ea typeface="Monaco"/>
-              <a:cs typeface="Monaco"/>
-              <a:sym typeface="Monaco"/>
-            </a:endParaRPr>
-          </a:p>
-          <a:p>
-            <a:pPr lvl="0">
-              <a:defRPr sz="1800">
-                <a:solidFill>
-                  <a:srgbClr val="000000"/>
-                </a:solidFill>
-              </a:defRPr>
-            </a:pPr>
-            <a:r>
-              <a:rPr sz="2400">
-                <a:latin typeface="Monaco"/>
-                <a:ea typeface="Monaco"/>
-                <a:cs typeface="Monaco"/>
-                <a:sym typeface="Monaco"/>
-              </a:rPr>
-              <a:t>do DOM</a:t>
-            </a:r>
-          </a:p>
-        </p:txBody>
-      </p:sp>
-      <p:sp>
-        <p:nvSpPr>
-          <p:cNvPr id="74" name="Shape 74"/>
-          <p:cNvSpPr/>
-          <p:nvPr/>
-        </p:nvSpPr>
-        <p:spPr>
-          <a:xfrm>
-            <a:off x="8591401" y="4070374"/>
-            <a:ext cx="1943398" cy="888952"/>
-          </a:xfrm>
-          <a:prstGeom prst="rect">
-            <a:avLst/>
-          </a:prstGeom>
-          <a:ln w="12700">
-            <a:miter lim="400000"/>
-          </a:ln>
-          <a:extLst>
-            <a:ext uri="{C572A759-6A51-4108-AA02-DFA0A04FC94B}">
-              <ma14:wrappingTextBoxFlag xmlns:ma14="http://schemas.microsoft.com/office/mac/drawingml/2011/main" val="1"/>
-            </a:ext>
-          </a:extLst>
-        </p:spPr>
-        <p:txBody>
-          <a:bodyPr wrap="none" lIns="50800" tIns="50800" rIns="50800" bIns="50800" anchor="ctr">
-            <a:spAutoFit/>
-          </a:bodyPr>
-          <a:lstStyle/>
-          <a:p>
-            <a:pPr lvl="0">
-              <a:defRPr sz="1800">
-                <a:solidFill>
-                  <a:srgbClr val="000000"/>
-                </a:solidFill>
-              </a:defRPr>
-            </a:pPr>
-            <a:r>
-              <a:rPr sz="2400">
-                <a:latin typeface="Monaco"/>
-                <a:ea typeface="Monaco"/>
-                <a:cs typeface="Monaco"/>
-                <a:sym typeface="Monaco"/>
-              </a:rPr>
-              <a:t>eventos </a:t>
-            </a:r>
-            <a:endParaRPr sz="2400">
-              <a:latin typeface="Monaco"/>
-              <a:ea typeface="Monaco"/>
-              <a:cs typeface="Monaco"/>
-              <a:sym typeface="Monaco"/>
-            </a:endParaRPr>
-          </a:p>
-          <a:p>
-            <a:pPr lvl="0">
-              <a:defRPr sz="1800">
-                <a:solidFill>
-                  <a:srgbClr val="000000"/>
-                </a:solidFill>
-              </a:defRPr>
-            </a:pPr>
-            <a:r>
-              <a:rPr sz="2400">
-                <a:latin typeface="Monaco"/>
-                <a:ea typeface="Monaco"/>
-                <a:cs typeface="Monaco"/>
-                <a:sym typeface="Monaco"/>
-              </a:rPr>
-              <a:t>do domínio</a:t>
+              <a:t>$form.getRequiredFields()</a:t>
             </a:r>
           </a:p>
         </p:txBody>
@@ -5905,14 +6160,57 @@
       </p:grpSpPr>
       <p:sp>
         <p:nvSpPr>
-          <p:cNvPr id="76" name="Shape 76"/>
+          <p:cNvPr id="81" name="Shape 81"/>
+          <p:cNvSpPr/>
+          <p:nvPr>
+            <p:ph type="title"/>
+          </p:nvPr>
+        </p:nvSpPr>
+        <p:spPr>
+          <a:xfrm>
+            <a:off x="1066800" y="1885218"/>
+            <a:ext cx="11099800" cy="2159001"/>
+          </a:xfrm>
+          <a:prstGeom prst="rect">
+            <a:avLst/>
+          </a:prstGeom>
+        </p:spPr>
+        <p:txBody>
+          <a:bodyPr/>
+          <a:lstStyle>
+            <a:lvl1pPr defTabSz="455675">
+              <a:defRPr sz="6240">
+                <a:solidFill>
+                  <a:srgbClr val="000000"/>
+                </a:solidFill>
+                <a:latin typeface="Monaco"/>
+                <a:ea typeface="Monaco"/>
+                <a:cs typeface="Monaco"/>
+                <a:sym typeface="Monaco"/>
+              </a:defRPr>
+            </a:lvl1pPr>
+          </a:lstStyle>
+          <a:p>
+            <a:pPr lvl="0">
+              <a:defRPr sz="1800"/>
+            </a:pPr>
+            <a:r>
+              <a:rPr sz="6240"/>
+              <a:t>isso nos permite declarar intenção</a:t>
+            </a:r>
+          </a:p>
+        </p:txBody>
+      </p:sp>
+      <p:sp>
+        <p:nvSpPr>
+          <p:cNvPr id="82" name="Shape 82"/>
           <p:cNvSpPr/>
           <p:nvPr/>
         </p:nvSpPr>
         <p:spPr>
           <a:xfrm>
-            <a:off x="1981200" y="3637898"/>
-            <a:ext cx="9017000" cy="1557091"/>
+            <a:off x="1549226" y="5147654"/>
+            <a:ext cx="10134948" cy="2720728"/>
           </a:xfrm>
           <a:prstGeom prst="rect">
             <a:avLst/>
@@ -5936,57 +6234,14 @@
       </p:sp>
       <p:sp>
         <p:nvSpPr>
-          <p:cNvPr id="77" name="Shape 77"/>
-          <p:cNvSpPr/>
-          <p:nvPr>
-            <p:ph type="title"/>
-          </p:nvPr>
-        </p:nvSpPr>
-        <p:spPr>
-          <a:xfrm>
-            <a:off x="952500" y="908701"/>
-            <a:ext cx="11099800" cy="2159001"/>
-          </a:xfrm>
-          <a:prstGeom prst="rect">
-            <a:avLst/>
-          </a:prstGeom>
-        </p:spPr>
-        <p:txBody>
-          <a:bodyPr/>
-          <a:lstStyle>
-            <a:lvl1pPr defTabSz="549148">
-              <a:defRPr sz="7519">
-                <a:solidFill>
-                  <a:srgbClr val="000000"/>
-                </a:solidFill>
-                <a:latin typeface="Monaco"/>
-                <a:ea typeface="Monaco"/>
-                <a:cs typeface="Monaco"/>
-                <a:sym typeface="Monaco"/>
-              </a:defRPr>
-            </a:lvl1pPr>
-          </a:lstStyle>
-          <a:p>
-            <a:pPr lvl="0">
-              <a:defRPr sz="1800"/>
-            </a:pPr>
-            <a:r>
-              <a:rPr sz="7519"/>
-              <a:t>o que você prefere?</a:t>
-            </a:r>
-          </a:p>
-        </p:txBody>
-      </p:sp>
-      <p:sp>
-        <p:nvSpPr>
-          <p:cNvPr id="78" name="Shape 78"/>
+          <p:cNvPr id="83" name="Shape 83"/>
           <p:cNvSpPr/>
           <p:nvPr/>
         </p:nvSpPr>
         <p:spPr>
           <a:xfrm>
-            <a:off x="2367917" y="4125850"/>
-            <a:ext cx="8243566" cy="732285"/>
+            <a:off x="1909725" y="6010659"/>
+            <a:ext cx="9413951" cy="994719"/>
           </a:xfrm>
           <a:prstGeom prst="rect">
             <a:avLst/>
@@ -6006,7 +6261,7 @@
           </a:bodyPr>
           <a:lstStyle>
             <a:lvl1pPr>
-              <a:defRPr sz="4000">
+              <a:defRPr sz="5600">
                 <a:latin typeface="Monaco"/>
                 <a:ea typeface="Monaco"/>
                 <a:cs typeface="Monaco"/>
@@ -6023,150 +6278,12 @@
               </a:defRPr>
             </a:pPr>
             <a:r>
-              <a:rPr sz="4000">
+              <a:rPr sz="5600">
                 <a:solidFill>
                   <a:srgbClr val="FFFFFF"/>
                 </a:solidFill>
               </a:rPr>
-              <a:t>$('#id_name, #id_message')</a:t>
-            </a:r>
-          </a:p>
-        </p:txBody>
-      </p:sp>
-      <p:sp>
-        <p:nvSpPr>
-          <p:cNvPr id="79" name="Shape 79"/>
-          <p:cNvSpPr/>
-          <p:nvPr/>
-        </p:nvSpPr>
-        <p:spPr>
-          <a:xfrm>
-            <a:off x="2380617" y="5765186"/>
-            <a:ext cx="8243566" cy="673026"/>
-          </a:xfrm>
-          <a:prstGeom prst="rect">
-            <a:avLst/>
-          </a:prstGeom>
-          <a:ln w="12700">
-            <a:miter lim="400000"/>
-          </a:ln>
-          <a:extLst>
-            <a:ext uri="{C572A759-6A51-4108-AA02-DFA0A04FC94B}">
-              <ma14:wrappingTextBoxFlag xmlns:ma14="http://schemas.microsoft.com/office/mac/drawingml/2011/main" val="1"/>
-            </a:ext>
-          </a:extLst>
-        </p:spPr>
-        <p:txBody>
-          <a:bodyPr lIns="50800" tIns="50800" rIns="50800" bIns="50800" anchor="ctr">
-            <a:spAutoFit/>
-          </a:bodyPr>
-          <a:lstStyle>
-            <a:lvl1pPr>
-              <a:defRPr>
-                <a:solidFill>
-                  <a:srgbClr val="000000"/>
-                </a:solidFill>
-                <a:latin typeface="Monaco"/>
-                <a:ea typeface="Monaco"/>
-                <a:cs typeface="Monaco"/>
-                <a:sym typeface="Monaco"/>
-              </a:defRPr>
-            </a:lvl1pPr>
-          </a:lstStyle>
-          <a:p>
-            <a:pPr lvl="0">
-              <a:defRPr sz="1800"/>
-            </a:pPr>
-            <a:r>
-              <a:rPr sz="3600"/>
-              <a:t>ou</a:t>
-            </a:r>
-          </a:p>
-        </p:txBody>
-      </p:sp>
-      <p:sp>
-        <p:nvSpPr>
-          <p:cNvPr id="80" name="Shape 80"/>
-          <p:cNvSpPr/>
-          <p:nvPr/>
-        </p:nvSpPr>
-        <p:spPr>
-          <a:xfrm>
-            <a:off x="1981200" y="7008409"/>
-            <a:ext cx="9017000" cy="1557090"/>
-          </a:xfrm>
-          <a:prstGeom prst="rect">
-            <a:avLst/>
-          </a:prstGeom>
-          <a:blipFill>
-            <a:blip r:embed="rId2"/>
-          </a:blipFill>
-          <a:ln w="12700">
-            <a:miter lim="400000"/>
-          </a:ln>
-        </p:spPr>
-        <p:txBody>
-          <a:bodyPr lIns="50800" tIns="50800" rIns="50800" bIns="50800" anchor="ctr"/>
-          <a:lstStyle/>
-          <a:p>
-            <a:pPr lvl="0">
-              <a:defRPr sz="2600"/>
-            </a:pPr>
-          </a:p>
-        </p:txBody>
-      </p:sp>
-      <p:sp>
-        <p:nvSpPr>
-          <p:cNvPr id="81" name="Shape 81"/>
-          <p:cNvSpPr/>
-          <p:nvPr/>
-        </p:nvSpPr>
-        <p:spPr>
-          <a:xfrm>
-            <a:off x="2367917" y="7496361"/>
-            <a:ext cx="8243566" cy="732285"/>
-          </a:xfrm>
-          <a:prstGeom prst="rect">
-            <a:avLst/>
-          </a:prstGeom>
-          <a:ln w="12700">
-            <a:miter lim="400000"/>
-          </a:ln>
-          <a:extLst>
-            <a:ext uri="{C572A759-6A51-4108-AA02-DFA0A04FC94B}">
-              <ma14:wrappingTextBoxFlag xmlns:ma14="http://schemas.microsoft.com/office/mac/drawingml/2011/main" val="1"/>
-            </a:ext>
-          </a:extLst>
-        </p:spPr>
-        <p:txBody>
-          <a:bodyPr lIns="50800" tIns="50800" rIns="50800" bIns="50800" anchor="ctr">
-            <a:spAutoFit/>
-          </a:bodyPr>
-          <a:lstStyle>
-            <a:lvl1pPr>
-              <a:defRPr sz="4000">
-                <a:latin typeface="Monaco"/>
-                <a:ea typeface="Monaco"/>
-                <a:cs typeface="Monaco"/>
-                <a:sym typeface="Monaco"/>
-              </a:defRPr>
-            </a:lvl1pPr>
-          </a:lstStyle>
-          <a:p>
-            <a:pPr lvl="0">
-              <a:defRPr sz="1800">
-                <a:solidFill>
-                  <a:srgbClr val="000000"/>
-                </a:solidFill>
-              </a:defRPr>
-            </a:pPr>
-            <a:r>
-              <a:rPr sz="4000">
-                <a:solidFill>
-                  <a:srgbClr val="FFFFFF"/>
-                </a:solidFill>
-              </a:rPr>
-              <a:t>$form.getRequiredFields()</a:t>
+              <a:t>$form.validate()</a:t>
             </a:r>
           </a:p>
         </p:txBody>
@@ -6206,7 +6323,7 @@
       </p:grpSpPr>
       <p:sp>
         <p:nvSpPr>
-          <p:cNvPr id="83" name="Shape 83"/>
+          <p:cNvPr id="85" name="Shape 85"/>
           <p:cNvSpPr/>
           <p:nvPr>
             <p:ph type="title"/>
@@ -6214,8 +6331,8 @@
         </p:nvSpPr>
         <p:spPr>
           <a:xfrm>
-            <a:off x="1066800" y="1885218"/>
-            <a:ext cx="11099800" cy="2159001"/>
+            <a:off x="952500" y="829372"/>
+            <a:ext cx="11099800" cy="742802"/>
           </a:xfrm>
           <a:prstGeom prst="rect">
             <a:avLst/>
@@ -6224,8 +6341,8 @@
         <p:txBody>
           <a:bodyPr/>
           <a:lstStyle>
-            <a:lvl1pPr defTabSz="455675">
-              <a:defRPr sz="6240">
+            <a:lvl1pPr defTabSz="566674">
+              <a:defRPr sz="3686">
                 <a:solidFill>
                   <a:srgbClr val="000000"/>
                 </a:solidFill>
@@ -6241,53 +6358,49 @@
               <a:defRPr sz="1800"/>
             </a:pPr>
             <a:r>
-              <a:rPr sz="6240"/>
-              <a:t>isso nos permite declarar intenção</a:t>
-            </a:r>
-          </a:p>
-        </p:txBody>
-      </p:sp>
-      <p:sp>
-        <p:nvSpPr>
-          <p:cNvPr id="84" name="Shape 84"/>
-          <p:cNvSpPr/>
+              <a:rPr sz="3686"/>
+              <a:t>exemplo clássico: formulário de contato</a:t>
+            </a:r>
+          </a:p>
+        </p:txBody>
+      </p:sp>
+      <p:pic>
+        <p:nvPicPr>
+          <p:cNvPr id="86" name="pasted-image.png"/>
+          <p:cNvPicPr/>
           <p:nvPr/>
-        </p:nvSpPr>
-        <p:spPr>
-          <a:xfrm>
-            <a:off x="1549226" y="5147654"/>
-            <a:ext cx="10134948" cy="2720728"/>
-          </a:xfrm>
-          <a:prstGeom prst="rect">
-            <a:avLst/>
-          </a:prstGeom>
-          <a:blipFill>
-            <a:blip r:embed="rId2"/>
-          </a:blipFill>
+        </p:nvPicPr>
+        <p:blipFill>
+          <a:blip r:embed="rId2">
+            <a:extLst/>
+          </a:blip>
+          <a:stretch>
+            <a:fillRect/>
+          </a:stretch>
+        </p:blipFill>
+        <p:spPr>
+          <a:xfrm>
+            <a:off x="873313" y="2023483"/>
+            <a:ext cx="11258174" cy="6900745"/>
+          </a:xfrm>
+          <a:prstGeom prst="rect">
+            <a:avLst/>
+          </a:prstGeom>
           <a:ln w="12700">
             <a:miter lim="400000"/>
           </a:ln>
         </p:spPr>
-        <p:txBody>
-          <a:bodyPr lIns="50800" tIns="50800" rIns="50800" bIns="50800" anchor="ctr"/>
-          <a:lstStyle/>
-          <a:p>
-            <a:pPr lvl="0">
-              <a:defRPr sz="2600"/>
-            </a:pPr>
-          </a:p>
-        </p:txBody>
-      </p:sp>
-      <p:sp>
-        <p:nvSpPr>
-          <p:cNvPr id="85" name="Shape 85"/>
+      </p:pic>
+      <p:sp>
+        <p:nvSpPr>
+          <p:cNvPr id="87" name="Shape 87"/>
           <p:cNvSpPr/>
           <p:nvPr/>
         </p:nvSpPr>
         <p:spPr>
           <a:xfrm>
-            <a:off x="1909725" y="6010659"/>
-            <a:ext cx="9413951" cy="994719"/>
+            <a:off x="8736062" y="2000287"/>
+            <a:ext cx="3406676" cy="673026"/>
           </a:xfrm>
           <a:prstGeom prst="rect">
             <a:avLst/>
@@ -6302,12 +6415,15 @@
           </a:extLst>
         </p:spPr>
         <p:txBody>
-          <a:bodyPr lIns="50800" tIns="50800" rIns="50800" bIns="50800" anchor="ctr">
+          <a:bodyPr wrap="none" lIns="50800" tIns="50800" rIns="50800" bIns="50800" anchor="ctr">
             <a:spAutoFit/>
           </a:bodyPr>
           <a:lstStyle>
             <a:lvl1pPr>
-              <a:defRPr sz="5600">
+              <a:defRPr>
+                <a:solidFill>
+                  <a:srgbClr val="E8A433"/>
+                </a:solidFill>
                 <a:latin typeface="Monaco"/>
                 <a:ea typeface="Monaco"/>
                 <a:cs typeface="Monaco"/>
@@ -6324,12 +6440,12 @@
               </a:defRPr>
             </a:pPr>
             <a:r>
-              <a:rPr sz="5600">
-                <a:solidFill>
-                  <a:srgbClr val="FFFFFF"/>
+              <a:rPr sz="3600">
+                <a:solidFill>
+                  <a:srgbClr val="E8A433"/>
                 </a:solidFill>
               </a:rPr>
-              <a:t>$form.validate()</a:t>
+              <a:t>example.html</a:t>
             </a:r>
           </a:p>
         </p:txBody>
@@ -6369,7 +6485,7 @@
       </p:grpSpPr>
       <p:sp>
         <p:nvSpPr>
-          <p:cNvPr id="87" name="Shape 87"/>
+          <p:cNvPr id="89" name="Shape 89"/>
           <p:cNvSpPr/>
           <p:nvPr>
             <p:ph type="title"/>
@@ -6377,8 +6493,8 @@
         </p:nvSpPr>
         <p:spPr>
           <a:xfrm>
-            <a:off x="952500" y="829372"/>
-            <a:ext cx="11099800" cy="742802"/>
+            <a:off x="952500" y="985515"/>
+            <a:ext cx="11099800" cy="1561803"/>
           </a:xfrm>
           <a:prstGeom prst="rect">
             <a:avLst/>
@@ -6387,8 +6503,8 @@
         <p:txBody>
           <a:bodyPr/>
           <a:lstStyle>
-            <a:lvl1pPr defTabSz="566674">
-              <a:defRPr sz="3686">
+            <a:lvl1pPr>
+              <a:defRPr sz="3800">
                 <a:solidFill>
                   <a:srgbClr val="000000"/>
                 </a:solidFill>
@@ -6404,15 +6520,15 @@
               <a:defRPr sz="1800"/>
             </a:pPr>
             <a:r>
-              <a:rPr sz="3686"/>
-              <a:t>exemplo clássico: formulário de contato</a:t>
+              <a:rPr sz="3800"/>
+              <a:t>para validar, precisamos dos campos obrigatórios:</a:t>
             </a:r>
           </a:p>
         </p:txBody>
       </p:sp>
       <p:pic>
         <p:nvPicPr>
-          <p:cNvPr id="88" name="pasted-image.png"/>
+          <p:cNvPr id="90" name="pasted-image.png"/>
           <p:cNvPicPr/>
           <p:nvPr/>
         </p:nvPicPr>
@@ -6426,8 +6542,8 @@
         </p:blipFill>
         <p:spPr>
           <a:xfrm>
-            <a:off x="873313" y="2023483"/>
-            <a:ext cx="11258174" cy="6900745"/>
+            <a:off x="985093" y="3202801"/>
+            <a:ext cx="11034614" cy="5565284"/>
           </a:xfrm>
           <a:prstGeom prst="rect">
             <a:avLst/>
@@ -6439,14 +6555,14 @@
       </p:pic>
       <p:sp>
         <p:nvSpPr>
-          <p:cNvPr id="89" name="Shape 89"/>
+          <p:cNvPr id="91" name="Shape 91"/>
           <p:cNvSpPr/>
           <p:nvPr/>
         </p:nvSpPr>
         <p:spPr>
           <a:xfrm>
-            <a:off x="8736062" y="2000287"/>
-            <a:ext cx="3406676" cy="673026"/>
+            <a:off x="7135750" y="8007387"/>
+            <a:ext cx="4778500" cy="673026"/>
           </a:xfrm>
           <a:prstGeom prst="rect">
             <a:avLst/>
@@ -6491,7 +6607,7 @@
                   <a:srgbClr val="E8A433"/>
                 </a:solidFill>
               </a:rPr>
-              <a:t>example.html</a:t>
+              <a:t>form.prezLayer.js</a:t>
             </a:r>
           </a:p>
         </p:txBody>
